--- a/postgres schema/ERD.pptx
+++ b/postgres schema/ERD.pptx
@@ -5,23 +5,19 @@
     <p:sldMasterId id="2147483649" r:id="rId1"/>
   </p:sldMasterIdLst>
   <p:notesMasterIdLst>
-    <p:notesMasterId r:id="rId8"/>
+    <p:notesMasterId r:id="rId4"/>
   </p:notesMasterIdLst>
   <p:handoutMasterIdLst>
-    <p:handoutMasterId r:id="rId9"/>
+    <p:handoutMasterId r:id="rId5"/>
   </p:handoutMasterIdLst>
   <p:sldIdLst>
     <p:sldId id="684" r:id="rId2"/>
     <p:sldId id="661" r:id="rId3"/>
-    <p:sldId id="689" r:id="rId4"/>
-    <p:sldId id="690" r:id="rId5"/>
-    <p:sldId id="691" r:id="rId6"/>
-    <p:sldId id="692" r:id="rId7"/>
   </p:sldIdLst>
   <p:sldSz cx="9144000" cy="6858000" type="screen4x3"/>
   <p:notesSz cx="7315200" cy="9601200"/>
   <p:custDataLst>
-    <p:tags r:id="rId10"/>
+    <p:tags r:id="rId6"/>
   </p:custDataLst>
   <p:defaultTextStyle>
     <a:defPPr>
@@ -1071,366 +1067,6 @@
     <p:extLst>
       <p:ext uri="{BB962C8B-B14F-4D97-AF65-F5344CB8AC3E}">
         <p14:creationId xmlns:p14="http://schemas.microsoft.com/office/powerpoint/2010/main" val="306005074"/>
-      </p:ext>
-    </p:extLst>
-  </p:cSld>
-  <p:clrMapOvr>
-    <a:masterClrMapping/>
-  </p:clrMapOvr>
-</p:notes>
-</file>
-
-<file path=ppt/notesSlides/notesSlide3.xml><?xml version="1.0" encoding="utf-8"?>
-<p:notes xmlns:a="http://schemas.openxmlformats.org/drawingml/2006/main" xmlns:r="http://schemas.openxmlformats.org/officeDocument/2006/relationships" xmlns:p="http://schemas.openxmlformats.org/presentationml/2006/main">
-  <p:cSld>
-    <p:spTree>
-      <p:nvGrpSpPr>
-        <p:cNvPr id="1" name=""/>
-        <p:cNvGrpSpPr/>
-        <p:nvPr/>
-      </p:nvGrpSpPr>
-      <p:grpSpPr>
-        <a:xfrm>
-          <a:off x="0" y="0"/>
-          <a:ext cx="0" cy="0"/>
-          <a:chOff x="0" y="0"/>
-          <a:chExt cx="0" cy="0"/>
-        </a:xfrm>
-      </p:grpSpPr>
-      <p:sp>
-        <p:nvSpPr>
-          <p:cNvPr id="2" name="Slide Image Placeholder 1"/>
-          <p:cNvSpPr>
-            <a:spLocks noGrp="1" noRot="1" noChangeAspect="1"/>
-          </p:cNvSpPr>
-          <p:nvPr>
-            <p:ph type="sldImg"/>
-          </p:nvPr>
-        </p:nvSpPr>
-        <p:spPr/>
-      </p:sp>
-      <p:sp>
-        <p:nvSpPr>
-          <p:cNvPr id="3" name="Notes Placeholder 2"/>
-          <p:cNvSpPr>
-            <a:spLocks noGrp="1"/>
-          </p:cNvSpPr>
-          <p:nvPr>
-            <p:ph type="body" idx="1"/>
-          </p:nvPr>
-        </p:nvSpPr>
-        <p:spPr/>
-        <p:txBody>
-          <a:bodyPr/>
-          <a:lstStyle/>
-          <a:p>
-            <a:endParaRPr lang="en-US" dirty="0"/>
-          </a:p>
-        </p:txBody>
-      </p:sp>
-      <p:sp>
-        <p:nvSpPr>
-          <p:cNvPr id="4" name="Slide Number Placeholder 3"/>
-          <p:cNvSpPr>
-            <a:spLocks noGrp="1"/>
-          </p:cNvSpPr>
-          <p:nvPr>
-            <p:ph type="sldNum" sz="quarter" idx="10"/>
-          </p:nvPr>
-        </p:nvSpPr>
-        <p:spPr/>
-        <p:txBody>
-          <a:bodyPr/>
-          <a:lstStyle/>
-          <a:p>
-            <a:pPr>
-              <a:defRPr/>
-            </a:pPr>
-            <a:fld id="{F06D55F7-CEF1-41CB-B1DA-A4D31FB65628}" type="slidenum">
-              <a:rPr lang="en-US" smtClean="0"/>
-              <a:pPr>
-                <a:defRPr/>
-              </a:pPr>
-              <a:t>3</a:t>
-            </a:fld>
-            <a:endParaRPr lang="en-US" dirty="0"/>
-          </a:p>
-        </p:txBody>
-      </p:sp>
-    </p:spTree>
-    <p:extLst>
-      <p:ext uri="{BB962C8B-B14F-4D97-AF65-F5344CB8AC3E}">
-        <p14:creationId xmlns:p14="http://schemas.microsoft.com/office/powerpoint/2010/main" val="1244530758"/>
-      </p:ext>
-    </p:extLst>
-  </p:cSld>
-  <p:clrMapOvr>
-    <a:masterClrMapping/>
-  </p:clrMapOvr>
-</p:notes>
-</file>
-
-<file path=ppt/notesSlides/notesSlide4.xml><?xml version="1.0" encoding="utf-8"?>
-<p:notes xmlns:a="http://schemas.openxmlformats.org/drawingml/2006/main" xmlns:r="http://schemas.openxmlformats.org/officeDocument/2006/relationships" xmlns:p="http://schemas.openxmlformats.org/presentationml/2006/main">
-  <p:cSld>
-    <p:spTree>
-      <p:nvGrpSpPr>
-        <p:cNvPr id="1" name=""/>
-        <p:cNvGrpSpPr/>
-        <p:nvPr/>
-      </p:nvGrpSpPr>
-      <p:grpSpPr>
-        <a:xfrm>
-          <a:off x="0" y="0"/>
-          <a:ext cx="0" cy="0"/>
-          <a:chOff x="0" y="0"/>
-          <a:chExt cx="0" cy="0"/>
-        </a:xfrm>
-      </p:grpSpPr>
-      <p:sp>
-        <p:nvSpPr>
-          <p:cNvPr id="2" name="Slide Image Placeholder 1"/>
-          <p:cNvSpPr>
-            <a:spLocks noGrp="1" noRot="1" noChangeAspect="1"/>
-          </p:cNvSpPr>
-          <p:nvPr>
-            <p:ph type="sldImg"/>
-          </p:nvPr>
-        </p:nvSpPr>
-        <p:spPr/>
-      </p:sp>
-      <p:sp>
-        <p:nvSpPr>
-          <p:cNvPr id="3" name="Notes Placeholder 2"/>
-          <p:cNvSpPr>
-            <a:spLocks noGrp="1"/>
-          </p:cNvSpPr>
-          <p:nvPr>
-            <p:ph type="body" idx="1"/>
-          </p:nvPr>
-        </p:nvSpPr>
-        <p:spPr/>
-        <p:txBody>
-          <a:bodyPr/>
-          <a:lstStyle/>
-          <a:p>
-            <a:endParaRPr lang="en-US" dirty="0"/>
-          </a:p>
-        </p:txBody>
-      </p:sp>
-      <p:sp>
-        <p:nvSpPr>
-          <p:cNvPr id="4" name="Slide Number Placeholder 3"/>
-          <p:cNvSpPr>
-            <a:spLocks noGrp="1"/>
-          </p:cNvSpPr>
-          <p:nvPr>
-            <p:ph type="sldNum" sz="quarter" idx="10"/>
-          </p:nvPr>
-        </p:nvSpPr>
-        <p:spPr/>
-        <p:txBody>
-          <a:bodyPr/>
-          <a:lstStyle/>
-          <a:p>
-            <a:pPr>
-              <a:defRPr/>
-            </a:pPr>
-            <a:fld id="{F06D55F7-CEF1-41CB-B1DA-A4D31FB65628}" type="slidenum">
-              <a:rPr lang="en-US" smtClean="0"/>
-              <a:pPr>
-                <a:defRPr/>
-              </a:pPr>
-              <a:t>4</a:t>
-            </a:fld>
-            <a:endParaRPr lang="en-US" dirty="0"/>
-          </a:p>
-        </p:txBody>
-      </p:sp>
-    </p:spTree>
-    <p:extLst>
-      <p:ext uri="{BB962C8B-B14F-4D97-AF65-F5344CB8AC3E}">
-        <p14:creationId xmlns:p14="http://schemas.microsoft.com/office/powerpoint/2010/main" val="2737214711"/>
-      </p:ext>
-    </p:extLst>
-  </p:cSld>
-  <p:clrMapOvr>
-    <a:masterClrMapping/>
-  </p:clrMapOvr>
-</p:notes>
-</file>
-
-<file path=ppt/notesSlides/notesSlide5.xml><?xml version="1.0" encoding="utf-8"?>
-<p:notes xmlns:a="http://schemas.openxmlformats.org/drawingml/2006/main" xmlns:r="http://schemas.openxmlformats.org/officeDocument/2006/relationships" xmlns:p="http://schemas.openxmlformats.org/presentationml/2006/main">
-  <p:cSld>
-    <p:spTree>
-      <p:nvGrpSpPr>
-        <p:cNvPr id="1" name=""/>
-        <p:cNvGrpSpPr/>
-        <p:nvPr/>
-      </p:nvGrpSpPr>
-      <p:grpSpPr>
-        <a:xfrm>
-          <a:off x="0" y="0"/>
-          <a:ext cx="0" cy="0"/>
-          <a:chOff x="0" y="0"/>
-          <a:chExt cx="0" cy="0"/>
-        </a:xfrm>
-      </p:grpSpPr>
-      <p:sp>
-        <p:nvSpPr>
-          <p:cNvPr id="2" name="Slide Image Placeholder 1"/>
-          <p:cNvSpPr>
-            <a:spLocks noGrp="1" noRot="1" noChangeAspect="1"/>
-          </p:cNvSpPr>
-          <p:nvPr>
-            <p:ph type="sldImg"/>
-          </p:nvPr>
-        </p:nvSpPr>
-        <p:spPr/>
-      </p:sp>
-      <p:sp>
-        <p:nvSpPr>
-          <p:cNvPr id="3" name="Notes Placeholder 2"/>
-          <p:cNvSpPr>
-            <a:spLocks noGrp="1"/>
-          </p:cNvSpPr>
-          <p:nvPr>
-            <p:ph type="body" idx="1"/>
-          </p:nvPr>
-        </p:nvSpPr>
-        <p:spPr/>
-        <p:txBody>
-          <a:bodyPr/>
-          <a:lstStyle/>
-          <a:p>
-            <a:endParaRPr lang="en-US" dirty="0"/>
-          </a:p>
-        </p:txBody>
-      </p:sp>
-      <p:sp>
-        <p:nvSpPr>
-          <p:cNvPr id="4" name="Slide Number Placeholder 3"/>
-          <p:cNvSpPr>
-            <a:spLocks noGrp="1"/>
-          </p:cNvSpPr>
-          <p:nvPr>
-            <p:ph type="sldNum" sz="quarter" idx="10"/>
-          </p:nvPr>
-        </p:nvSpPr>
-        <p:spPr/>
-        <p:txBody>
-          <a:bodyPr/>
-          <a:lstStyle/>
-          <a:p>
-            <a:pPr>
-              <a:defRPr/>
-            </a:pPr>
-            <a:fld id="{F06D55F7-CEF1-41CB-B1DA-A4D31FB65628}" type="slidenum">
-              <a:rPr lang="en-US" smtClean="0"/>
-              <a:pPr>
-                <a:defRPr/>
-              </a:pPr>
-              <a:t>5</a:t>
-            </a:fld>
-            <a:endParaRPr lang="en-US" dirty="0"/>
-          </a:p>
-        </p:txBody>
-      </p:sp>
-    </p:spTree>
-    <p:extLst>
-      <p:ext uri="{BB962C8B-B14F-4D97-AF65-F5344CB8AC3E}">
-        <p14:creationId xmlns:p14="http://schemas.microsoft.com/office/powerpoint/2010/main" val="3327156067"/>
-      </p:ext>
-    </p:extLst>
-  </p:cSld>
-  <p:clrMapOvr>
-    <a:masterClrMapping/>
-  </p:clrMapOvr>
-</p:notes>
-</file>
-
-<file path=ppt/notesSlides/notesSlide6.xml><?xml version="1.0" encoding="utf-8"?>
-<p:notes xmlns:a="http://schemas.openxmlformats.org/drawingml/2006/main" xmlns:r="http://schemas.openxmlformats.org/officeDocument/2006/relationships" xmlns:p="http://schemas.openxmlformats.org/presentationml/2006/main">
-  <p:cSld>
-    <p:spTree>
-      <p:nvGrpSpPr>
-        <p:cNvPr id="1" name=""/>
-        <p:cNvGrpSpPr/>
-        <p:nvPr/>
-      </p:nvGrpSpPr>
-      <p:grpSpPr>
-        <a:xfrm>
-          <a:off x="0" y="0"/>
-          <a:ext cx="0" cy="0"/>
-          <a:chOff x="0" y="0"/>
-          <a:chExt cx="0" cy="0"/>
-        </a:xfrm>
-      </p:grpSpPr>
-      <p:sp>
-        <p:nvSpPr>
-          <p:cNvPr id="2" name="Slide Image Placeholder 1"/>
-          <p:cNvSpPr>
-            <a:spLocks noGrp="1" noRot="1" noChangeAspect="1"/>
-          </p:cNvSpPr>
-          <p:nvPr>
-            <p:ph type="sldImg"/>
-          </p:nvPr>
-        </p:nvSpPr>
-        <p:spPr/>
-      </p:sp>
-      <p:sp>
-        <p:nvSpPr>
-          <p:cNvPr id="3" name="Notes Placeholder 2"/>
-          <p:cNvSpPr>
-            <a:spLocks noGrp="1"/>
-          </p:cNvSpPr>
-          <p:nvPr>
-            <p:ph type="body" idx="1"/>
-          </p:nvPr>
-        </p:nvSpPr>
-        <p:spPr/>
-        <p:txBody>
-          <a:bodyPr/>
-          <a:lstStyle/>
-          <a:p>
-            <a:endParaRPr lang="en-US" dirty="0"/>
-          </a:p>
-        </p:txBody>
-      </p:sp>
-      <p:sp>
-        <p:nvSpPr>
-          <p:cNvPr id="4" name="Slide Number Placeholder 3"/>
-          <p:cNvSpPr>
-            <a:spLocks noGrp="1"/>
-          </p:cNvSpPr>
-          <p:nvPr>
-            <p:ph type="sldNum" sz="quarter" idx="10"/>
-          </p:nvPr>
-        </p:nvSpPr>
-        <p:spPr/>
-        <p:txBody>
-          <a:bodyPr/>
-          <a:lstStyle/>
-          <a:p>
-            <a:pPr>
-              <a:defRPr/>
-            </a:pPr>
-            <a:fld id="{F06D55F7-CEF1-41CB-B1DA-A4D31FB65628}" type="slidenum">
-              <a:rPr lang="en-US" smtClean="0"/>
-              <a:pPr>
-                <a:defRPr/>
-              </a:pPr>
-              <a:t>6</a:t>
-            </a:fld>
-            <a:endParaRPr lang="en-US" dirty="0"/>
-          </a:p>
-        </p:txBody>
-      </p:sp>
-    </p:spTree>
-    <p:extLst>
-      <p:ext uri="{BB962C8B-B14F-4D97-AF65-F5344CB8AC3E}">
-        <p14:creationId xmlns:p14="http://schemas.microsoft.com/office/powerpoint/2010/main" val="1949538441"/>
       </p:ext>
     </p:extLst>
   </p:cSld>
@@ -5380,14 +5016,7 @@
                 <a:latin typeface="Arial"/>
                 <a:cs typeface="Arial"/>
               </a:rPr>
-              <a:t>Meeting Manager </a:t>
-            </a:r>
-            <a:r>
-              <a:rPr lang="en-US" sz="3200">
-                <a:latin typeface="Arial"/>
-                <a:cs typeface="Arial"/>
-              </a:rPr>
-              <a:t>Database ERD</a:t>
+              <a:t>Meeting Manager Database Design</a:t>
             </a:r>
             <a:br>
               <a:rPr lang="en-US" dirty="0">
@@ -6106,7 +5735,7 @@
         </p:nvSpPr>
         <p:spPr>
           <a:xfrm>
-            <a:off x="3018320" y="2460009"/>
+            <a:off x="3480473" y="2292637"/>
             <a:ext cx="1719743" cy="1855396"/>
           </a:xfrm>
           <a:prstGeom prst="rect">
@@ -6163,7 +5792,125 @@
         </p:nvSpPr>
         <p:spPr>
           <a:xfrm>
-            <a:off x="3293236" y="1285333"/>
+            <a:off x="3474720" y="1035078"/>
+            <a:ext cx="1725496" cy="760061"/>
+          </a:xfrm>
+          <a:prstGeom prst="rect">
+            <a:avLst/>
+          </a:prstGeom>
+          <a:solidFill>
+            <a:srgbClr val="4E80C6"/>
+          </a:solidFill>
+          <a:ln>
+            <a:solidFill>
+              <a:schemeClr val="tx1"/>
+            </a:solidFill>
+          </a:ln>
+        </p:spPr>
+        <p:style>
+          <a:lnRef idx="2">
+            <a:schemeClr val="accent1">
+              <a:shade val="50000"/>
+            </a:schemeClr>
+          </a:lnRef>
+          <a:fillRef idx="1">
+            <a:schemeClr val="accent1"/>
+          </a:fillRef>
+          <a:effectRef idx="0">
+            <a:schemeClr val="accent1"/>
+          </a:effectRef>
+          <a:fontRef idx="minor">
+            <a:schemeClr val="lt1"/>
+          </a:fontRef>
+        </p:style>
+        <p:txBody>
+          <a:bodyPr rtlCol="0" anchor="ctr"/>
+          <a:lstStyle/>
+          <a:p>
+            <a:pPr algn="ctr"/>
+            <a:r>
+              <a:rPr lang="en-US" sz="1200" b="1" dirty="0">
+                <a:solidFill>
+                  <a:schemeClr val="bg1"/>
+                </a:solidFill>
+              </a:rPr>
+              <a:t>Venue</a:t>
+            </a:r>
+          </a:p>
+        </p:txBody>
+      </p:sp>
+      <p:sp>
+        <p:nvSpPr>
+          <p:cNvPr id="54" name="Rectangle 53">
+            <a:extLst>
+              <a:ext uri="{FF2B5EF4-FFF2-40B4-BE49-F238E27FC236}">
+                <a16:creationId xmlns:a16="http://schemas.microsoft.com/office/drawing/2014/main" id="{E42275AE-6B64-ED48-8D1E-80A2BF5B2964}"/>
+              </a:ext>
+            </a:extLst>
+          </p:cNvPr>
+          <p:cNvSpPr/>
+          <p:nvPr/>
+        </p:nvSpPr>
+        <p:spPr>
+          <a:xfrm>
+            <a:off x="3502323" y="4691469"/>
+            <a:ext cx="1240300" cy="760061"/>
+          </a:xfrm>
+          <a:prstGeom prst="rect">
+            <a:avLst/>
+          </a:prstGeom>
+          <a:solidFill>
+            <a:srgbClr val="4E80C6"/>
+          </a:solidFill>
+          <a:ln>
+            <a:solidFill>
+              <a:schemeClr val="tx1"/>
+            </a:solidFill>
+          </a:ln>
+        </p:spPr>
+        <p:style>
+          <a:lnRef idx="2">
+            <a:schemeClr val="accent1">
+              <a:shade val="50000"/>
+            </a:schemeClr>
+          </a:lnRef>
+          <a:fillRef idx="1">
+            <a:schemeClr val="accent1"/>
+          </a:fillRef>
+          <a:effectRef idx="0">
+            <a:schemeClr val="accent1"/>
+          </a:effectRef>
+          <a:fontRef idx="minor">
+            <a:schemeClr val="lt1"/>
+          </a:fontRef>
+        </p:style>
+        <p:txBody>
+          <a:bodyPr rtlCol="0" anchor="ctr"/>
+          <a:lstStyle/>
+          <a:p>
+            <a:pPr algn="ctr"/>
+            <a:r>
+              <a:rPr lang="en-US" sz="1200" b="1" dirty="0"/>
+              <a:t>Organization</a:t>
+            </a:r>
+          </a:p>
+        </p:txBody>
+      </p:sp>
+      <p:sp>
+        <p:nvSpPr>
+          <p:cNvPr id="55" name="Rectangle 54">
+            <a:extLst>
+              <a:ext uri="{FF2B5EF4-FFF2-40B4-BE49-F238E27FC236}">
+                <a16:creationId xmlns:a16="http://schemas.microsoft.com/office/drawing/2014/main" id="{FCABC70C-187D-8641-89EB-3A5BBD320E0E}"/>
+              </a:ext>
+            </a:extLst>
+          </p:cNvPr>
+          <p:cNvSpPr/>
+          <p:nvPr/>
+        </p:nvSpPr>
+        <p:spPr>
+          <a:xfrm>
+            <a:off x="7555624" y="4689889"/>
             <a:ext cx="1169910" cy="760061"/>
           </a:xfrm>
           <a:prstGeom prst="rect">
@@ -6200,22 +5947,18 @@
           <a:p>
             <a:pPr algn="ctr"/>
             <a:r>
-              <a:rPr lang="en-US" sz="1200" b="1" dirty="0">
-                <a:solidFill>
-                  <a:schemeClr val="bg1"/>
-                </a:solidFill>
-              </a:rPr>
-              <a:t>Venue</a:t>
-            </a:r>
-          </a:p>
-        </p:txBody>
-      </p:sp>
-      <p:sp>
-        <p:nvSpPr>
-          <p:cNvPr id="54" name="Rectangle 53">
+              <a:rPr lang="en-US" sz="1200" b="1" dirty="0"/>
+              <a:t>Team</a:t>
+            </a:r>
+          </a:p>
+        </p:txBody>
+      </p:sp>
+      <p:sp>
+        <p:nvSpPr>
+          <p:cNvPr id="56" name="Rectangle 55">
             <a:extLst>
               <a:ext uri="{FF2B5EF4-FFF2-40B4-BE49-F238E27FC236}">
-                <a16:creationId xmlns:a16="http://schemas.microsoft.com/office/drawing/2014/main" id="{E42275AE-6B64-ED48-8D1E-80A2BF5B2964}"/>
+                <a16:creationId xmlns:a16="http://schemas.microsoft.com/office/drawing/2014/main" id="{B06FEB18-DC12-0F44-B7C9-5F8B90677ACF}"/>
               </a:ext>
             </a:extLst>
           </p:cNvPr>
@@ -6224,8 +5967,8 @@
         </p:nvSpPr>
         <p:spPr>
           <a:xfrm>
-            <a:off x="4196082" y="5243104"/>
-            <a:ext cx="1240300" cy="760061"/>
+            <a:off x="313102" y="1070779"/>
+            <a:ext cx="1178976" cy="760061"/>
           </a:xfrm>
           <a:prstGeom prst="rect">
             <a:avLst/>
@@ -6262,120 +6005,6 @@
             <a:pPr algn="ctr"/>
             <a:r>
               <a:rPr lang="en-US" sz="1200" b="1" dirty="0"/>
-              <a:t>Organization</a:t>
-            </a:r>
-          </a:p>
-        </p:txBody>
-      </p:sp>
-      <p:sp>
-        <p:nvSpPr>
-          <p:cNvPr id="55" name="Rectangle 54">
-            <a:extLst>
-              <a:ext uri="{FF2B5EF4-FFF2-40B4-BE49-F238E27FC236}">
-                <a16:creationId xmlns:a16="http://schemas.microsoft.com/office/drawing/2014/main" id="{FCABC70C-187D-8641-89EB-3A5BBD320E0E}"/>
-              </a:ext>
-            </a:extLst>
-          </p:cNvPr>
-          <p:cNvSpPr/>
-          <p:nvPr/>
-        </p:nvSpPr>
-        <p:spPr>
-          <a:xfrm>
-            <a:off x="7872720" y="5166607"/>
-            <a:ext cx="1169910" cy="760061"/>
-          </a:xfrm>
-          <a:prstGeom prst="rect">
-            <a:avLst/>
-          </a:prstGeom>
-          <a:solidFill>
-            <a:srgbClr val="4E80C6"/>
-          </a:solidFill>
-          <a:ln>
-            <a:solidFill>
-              <a:schemeClr val="tx1"/>
-            </a:solidFill>
-          </a:ln>
-        </p:spPr>
-        <p:style>
-          <a:lnRef idx="2">
-            <a:schemeClr val="accent1">
-              <a:shade val="50000"/>
-            </a:schemeClr>
-          </a:lnRef>
-          <a:fillRef idx="1">
-            <a:schemeClr val="accent1"/>
-          </a:fillRef>
-          <a:effectRef idx="0">
-            <a:schemeClr val="accent1"/>
-          </a:effectRef>
-          <a:fontRef idx="minor">
-            <a:schemeClr val="lt1"/>
-          </a:fontRef>
-        </p:style>
-        <p:txBody>
-          <a:bodyPr rtlCol="0" anchor="ctr"/>
-          <a:lstStyle/>
-          <a:p>
-            <a:pPr algn="ctr"/>
-            <a:r>
-              <a:rPr lang="en-US" sz="1200" b="1" dirty="0"/>
-              <a:t>Team</a:t>
-            </a:r>
-          </a:p>
-        </p:txBody>
-      </p:sp>
-      <p:sp>
-        <p:nvSpPr>
-          <p:cNvPr id="56" name="Rectangle 55">
-            <a:extLst>
-              <a:ext uri="{FF2B5EF4-FFF2-40B4-BE49-F238E27FC236}">
-                <a16:creationId xmlns:a16="http://schemas.microsoft.com/office/drawing/2014/main" id="{B06FEB18-DC12-0F44-B7C9-5F8B90677ACF}"/>
-              </a:ext>
-            </a:extLst>
-          </p:cNvPr>
-          <p:cNvSpPr/>
-          <p:nvPr/>
-        </p:nvSpPr>
-        <p:spPr>
-          <a:xfrm>
-            <a:off x="5932138" y="2061463"/>
-            <a:ext cx="1203142" cy="760061"/>
-          </a:xfrm>
-          <a:prstGeom prst="rect">
-            <a:avLst/>
-          </a:prstGeom>
-          <a:solidFill>
-            <a:srgbClr val="4E80C6"/>
-          </a:solidFill>
-          <a:ln>
-            <a:solidFill>
-              <a:schemeClr val="tx1"/>
-            </a:solidFill>
-          </a:ln>
-        </p:spPr>
-        <p:style>
-          <a:lnRef idx="2">
-            <a:schemeClr val="accent1">
-              <a:shade val="50000"/>
-            </a:schemeClr>
-          </a:lnRef>
-          <a:fillRef idx="1">
-            <a:schemeClr val="accent1"/>
-          </a:fillRef>
-          <a:effectRef idx="0">
-            <a:schemeClr val="accent1"/>
-          </a:effectRef>
-          <a:fontRef idx="minor">
-            <a:schemeClr val="lt1"/>
-          </a:fontRef>
-        </p:style>
-        <p:txBody>
-          <a:bodyPr rtlCol="0" anchor="ctr"/>
-          <a:lstStyle/>
-          <a:p>
-            <a:pPr algn="ctr"/>
-            <a:r>
-              <a:rPr lang="en-US" sz="1200" b="1" dirty="0"/>
               <a:t>Equipment</a:t>
             </a:r>
           </a:p>
@@ -6395,7 +6024,7 @@
         </p:nvSpPr>
         <p:spPr>
           <a:xfrm>
-            <a:off x="5942561" y="3011333"/>
+            <a:off x="5959723" y="2029446"/>
             <a:ext cx="1203141" cy="760061"/>
           </a:xfrm>
           <a:prstGeom prst="rect">
@@ -6452,8 +6081,8 @@
         </p:nvSpPr>
         <p:spPr>
           <a:xfrm>
-            <a:off x="5942561" y="4153461"/>
-            <a:ext cx="1203141" cy="760061"/>
+            <a:off x="5959723" y="3927375"/>
+            <a:ext cx="1401515" cy="760061"/>
           </a:xfrm>
           <a:prstGeom prst="rect">
             <a:avLst/>
@@ -6509,7 +6138,7 @@
         </p:nvSpPr>
         <p:spPr>
           <a:xfrm>
-            <a:off x="317634" y="1337005"/>
+            <a:off x="313102" y="2901801"/>
             <a:ext cx="1178976" cy="760061"/>
           </a:xfrm>
           <a:prstGeom prst="rect">
@@ -6566,7 +6195,7 @@
         </p:nvSpPr>
         <p:spPr>
           <a:xfrm>
-            <a:off x="317634" y="2997304"/>
+            <a:off x="313102" y="4047586"/>
             <a:ext cx="1178976" cy="760061"/>
           </a:xfrm>
           <a:prstGeom prst="rect">
@@ -6623,7 +6252,7 @@
         </p:nvSpPr>
         <p:spPr>
           <a:xfrm>
-            <a:off x="317634" y="4582321"/>
+            <a:off x="313102" y="5142921"/>
             <a:ext cx="1178976" cy="760061"/>
           </a:xfrm>
           <a:prstGeom prst="rect">
@@ -6676,6 +6305,7 @@
             </a:extLst>
           </p:cNvPr>
           <p:cNvCxnSpPr>
+            <a:cxnSpLocks/>
             <a:stCxn id="53" idx="2"/>
             <a:endCxn id="52" idx="0"/>
           </p:cNvCxnSpPr>
@@ -6683,58 +6313,10 @@
         </p:nvCxnSpPr>
         <p:spPr>
           <a:xfrm>
-            <a:off x="3878191" y="2045394"/>
-            <a:ext cx="1" cy="414615"/>
+            <a:off x="4337468" y="1795139"/>
+            <a:ext cx="2877" cy="497498"/>
           </a:xfrm>
           <a:prstGeom prst="straightConnector1">
-            <a:avLst/>
-          </a:prstGeom>
-          <a:solidFill>
-            <a:srgbClr val="4E80C6"/>
-          </a:solidFill>
-          <a:ln w="38100">
-            <a:solidFill>
-              <a:schemeClr val="tx1"/>
-            </a:solidFill>
-            <a:tailEnd type="triangle"/>
-          </a:ln>
-        </p:spPr>
-        <p:style>
-          <a:lnRef idx="1">
-            <a:schemeClr val="accent1"/>
-          </a:lnRef>
-          <a:fillRef idx="0">
-            <a:schemeClr val="accent1"/>
-          </a:fillRef>
-          <a:effectRef idx="0">
-            <a:schemeClr val="accent1"/>
-          </a:effectRef>
-          <a:fontRef idx="minor">
-            <a:schemeClr val="tx1"/>
-          </a:fontRef>
-        </p:style>
-      </p:cxnSp>
-      <p:cxnSp>
-        <p:nvCxnSpPr>
-          <p:cNvPr id="64" name="Elbow Connector 63">
-            <a:extLst>
-              <a:ext uri="{FF2B5EF4-FFF2-40B4-BE49-F238E27FC236}">
-                <a16:creationId xmlns:a16="http://schemas.microsoft.com/office/drawing/2014/main" id="{A346FF5C-4449-124C-8170-9931D89D7667}"/>
-              </a:ext>
-            </a:extLst>
-          </p:cNvPr>
-          <p:cNvCxnSpPr>
-            <a:stCxn id="52" idx="3"/>
-            <a:endCxn id="56" idx="1"/>
-          </p:cNvCxnSpPr>
-          <p:nvPr/>
-        </p:nvCxnSpPr>
-        <p:spPr>
-          <a:xfrm flipV="1">
-            <a:off x="4738063" y="2441493"/>
-            <a:ext cx="1194075" cy="946215"/>
-          </a:xfrm>
-          <a:prstGeom prst="bentConnector3">
             <a:avLst/>
           </a:prstGeom>
           <a:solidFill>
@@ -6772,6 +6354,7 @@
             </a:extLst>
           </p:cNvPr>
           <p:cNvCxnSpPr>
+            <a:cxnSpLocks/>
             <a:stCxn id="52" idx="3"/>
             <a:endCxn id="58" idx="1"/>
           </p:cNvCxnSpPr>
@@ -6779,8 +6362,8 @@
         </p:nvCxnSpPr>
         <p:spPr>
           <a:xfrm>
-            <a:off x="4738063" y="3387708"/>
-            <a:ext cx="1204498" cy="1145784"/>
+            <a:off x="5200216" y="3220335"/>
+            <a:ext cx="759507" cy="1087071"/>
           </a:xfrm>
           <a:prstGeom prst="bentConnector3">
             <a:avLst/>
@@ -6826,58 +6409,11 @@
           <p:nvPr/>
         </p:nvCxnSpPr>
         <p:spPr>
-          <a:xfrm>
-            <a:off x="4738063" y="3387708"/>
-            <a:ext cx="1204498" cy="3656"/>
+          <a:xfrm flipV="1">
+            <a:off x="5200216" y="2409477"/>
+            <a:ext cx="759507" cy="810858"/>
           </a:xfrm>
           <a:prstGeom prst="bentConnector3">
-            <a:avLst/>
-          </a:prstGeom>
-          <a:solidFill>
-            <a:srgbClr val="4E80C6"/>
-          </a:solidFill>
-          <a:ln w="38100">
-            <a:solidFill>
-              <a:schemeClr val="tx1"/>
-            </a:solidFill>
-            <a:tailEnd type="triangle"/>
-          </a:ln>
-        </p:spPr>
-        <p:style>
-          <a:lnRef idx="1">
-            <a:schemeClr val="accent1"/>
-          </a:lnRef>
-          <a:fillRef idx="0">
-            <a:schemeClr val="accent1"/>
-          </a:fillRef>
-          <a:effectRef idx="0">
-            <a:schemeClr val="accent1"/>
-          </a:effectRef>
-          <a:fontRef idx="minor">
-            <a:schemeClr val="tx1"/>
-          </a:fontRef>
-        </p:style>
-      </p:cxnSp>
-      <p:cxnSp>
-        <p:nvCxnSpPr>
-          <p:cNvPr id="67" name="Straight Arrow Connector 66">
-            <a:extLst>
-              <a:ext uri="{FF2B5EF4-FFF2-40B4-BE49-F238E27FC236}">
-                <a16:creationId xmlns:a16="http://schemas.microsoft.com/office/drawing/2014/main" id="{67C1A06B-C25B-B64F-9656-26614B56715C}"/>
-              </a:ext>
-            </a:extLst>
-          </p:cNvPr>
-          <p:cNvCxnSpPr>
-            <a:stCxn id="52" idx="1"/>
-          </p:cNvCxnSpPr>
-          <p:nvPr/>
-        </p:nvCxnSpPr>
-        <p:spPr>
-          <a:xfrm flipH="1">
-            <a:off x="1496610" y="3387708"/>
-            <a:ext cx="1521711" cy="0"/>
-          </a:xfrm>
-          <a:prstGeom prst="straightConnector1">
             <a:avLst/>
           </a:prstGeom>
           <a:solidFill>
@@ -6922,8 +6458,8 @@
         </p:nvCxnSpPr>
         <p:spPr>
           <a:xfrm>
-            <a:off x="907122" y="2097066"/>
-            <a:ext cx="0" cy="900238"/>
+            <a:off x="902590" y="3661862"/>
+            <a:ext cx="0" cy="385724"/>
           </a:xfrm>
           <a:prstGeom prst="straightConnector1">
             <a:avLst/>
@@ -6970,8 +6506,8 @@
         </p:nvCxnSpPr>
         <p:spPr>
           <a:xfrm>
-            <a:off x="907122" y="3757365"/>
-            <a:ext cx="0" cy="824955"/>
+            <a:off x="902590" y="4807647"/>
+            <a:ext cx="0" cy="335274"/>
           </a:xfrm>
           <a:prstGeom prst="straightConnector1">
             <a:avLst/>
@@ -7011,6 +6547,7 @@
             </a:extLst>
           </p:cNvPr>
           <p:cNvCxnSpPr>
+            <a:cxnSpLocks/>
             <a:stCxn id="54" idx="3"/>
             <a:endCxn id="58" idx="2"/>
           </p:cNvCxnSpPr>
@@ -7018,8 +6555,8 @@
         </p:nvCxnSpPr>
         <p:spPr>
           <a:xfrm flipV="1">
-            <a:off x="5436382" y="4913522"/>
-            <a:ext cx="1107749" cy="709613"/>
+            <a:off x="4742623" y="4687436"/>
+            <a:ext cx="1917858" cy="384064"/>
           </a:xfrm>
           <a:prstGeom prst="bentConnector2">
             <a:avLst/>
@@ -7059,6 +6596,7 @@
             </a:extLst>
           </p:cNvPr>
           <p:cNvCxnSpPr>
+            <a:cxnSpLocks/>
             <a:stCxn id="55" idx="0"/>
             <a:endCxn id="58" idx="3"/>
           </p:cNvCxnSpPr>
@@ -7066,8 +6604,8 @@
         </p:nvCxnSpPr>
         <p:spPr>
           <a:xfrm rot="16200000" flipV="1">
-            <a:off x="7485131" y="4194062"/>
-            <a:ext cx="633115" cy="1311974"/>
+            <a:off x="7559668" y="4108977"/>
+            <a:ext cx="382483" cy="779341"/>
           </a:xfrm>
           <a:prstGeom prst="bentConnector2">
             <a:avLst/>
@@ -7097,104 +6635,12 @@
           </a:fontRef>
         </p:style>
       </p:cxnSp>
-    </p:spTree>
-    <p:extLst>
-      <p:ext uri="{BB962C8B-B14F-4D97-AF65-F5344CB8AC3E}">
-        <p14:creationId xmlns:p14="http://schemas.microsoft.com/office/powerpoint/2010/main" val="2883668519"/>
-      </p:ext>
-    </p:extLst>
-  </p:cSld>
-  <p:clrMapOvr>
-    <a:masterClrMapping/>
-  </p:clrMapOvr>
-</p:sld>
-</file>
-
-<file path=ppt/slides/slide3.xml><?xml version="1.0" encoding="utf-8"?>
-<p:sld xmlns:a="http://schemas.openxmlformats.org/drawingml/2006/main" xmlns:r="http://schemas.openxmlformats.org/officeDocument/2006/relationships" xmlns:p="http://schemas.openxmlformats.org/presentationml/2006/main">
-  <p:cSld>
-    <p:spTree>
-      <p:nvGrpSpPr>
-        <p:cNvPr id="1" name=""/>
-        <p:cNvGrpSpPr/>
-        <p:nvPr/>
-      </p:nvGrpSpPr>
-      <p:grpSpPr>
-        <a:xfrm>
-          <a:off x="0" y="0"/>
-          <a:ext cx="0" cy="0"/>
-          <a:chOff x="0" y="0"/>
-          <a:chExt cx="0" cy="0"/>
-        </a:xfrm>
-      </p:grpSpPr>
-      <p:sp>
-        <p:nvSpPr>
-          <p:cNvPr id="2" name="Title 1"/>
-          <p:cNvSpPr>
-            <a:spLocks noGrp="1"/>
-          </p:cNvSpPr>
-          <p:nvPr>
-            <p:ph type="title"/>
-          </p:nvPr>
-        </p:nvSpPr>
-        <p:spPr>
-          <a:xfrm>
-            <a:off x="0" y="276225"/>
-            <a:ext cx="9144000" cy="561975"/>
-          </a:xfrm>
-        </p:spPr>
-        <p:txBody>
-          <a:bodyPr/>
-          <a:lstStyle/>
-          <a:p>
-            <a:pPr algn="ctr"/>
-            <a:r>
-              <a:rPr lang="en-US" b="0" dirty="0">
-                <a:solidFill>
-                  <a:schemeClr val="bg1"/>
-                </a:solidFill>
-                <a:latin typeface="+mn-lt"/>
-              </a:rPr>
-              <a:t>Meeting Manager Schema - 1</a:t>
-            </a:r>
-          </a:p>
-        </p:txBody>
-      </p:sp>
-      <p:sp>
-        <p:nvSpPr>
-          <p:cNvPr id="3" name="Slide Number Placeholder 2"/>
-          <p:cNvSpPr>
-            <a:spLocks noGrp="1"/>
-          </p:cNvSpPr>
-          <p:nvPr>
-            <p:ph type="sldNum" sz="quarter" idx="12"/>
-          </p:nvPr>
-        </p:nvSpPr>
-        <p:spPr/>
-        <p:txBody>
-          <a:bodyPr/>
-          <a:lstStyle/>
-          <a:p>
-            <a:pPr>
-              <a:defRPr/>
-            </a:pPr>
-            <a:fld id="{A1DCCCC6-723F-4734-B30A-48B8D688C422}" type="slidenum">
-              <a:rPr lang="en-US" smtClean="0"/>
-              <a:pPr>
-                <a:defRPr/>
-              </a:pPr>
-              <a:t>3</a:t>
-            </a:fld>
-            <a:endParaRPr lang="en-US" dirty="0"/>
-          </a:p>
-        </p:txBody>
-      </p:sp>
-      <p:sp>
-        <p:nvSpPr>
-          <p:cNvPr id="7" name="Rectangle 6">
+      <p:sp>
+        <p:nvSpPr>
+          <p:cNvPr id="24" name="Rectangle 23">
             <a:extLst>
               <a:ext uri="{FF2B5EF4-FFF2-40B4-BE49-F238E27FC236}">
-                <a16:creationId xmlns:a16="http://schemas.microsoft.com/office/drawing/2014/main" id="{487D2D0A-384E-FD44-9A64-3675D4CFBF07}"/>
+                <a16:creationId xmlns:a16="http://schemas.microsoft.com/office/drawing/2014/main" id="{8CA3133B-C379-674F-9BBC-5AD029426752}"/>
               </a:ext>
             </a:extLst>
           </p:cNvPr>
@@ -7203,287 +6649,59 @@
         </p:nvSpPr>
         <p:spPr>
           <a:xfrm>
-            <a:off x="279133" y="1146901"/>
-            <a:ext cx="8864867" cy="5339923"/>
+            <a:off x="7545999" y="1231129"/>
+            <a:ext cx="1169910" cy="760061"/>
           </a:xfrm>
           <a:prstGeom prst="rect">
             <a:avLst/>
           </a:prstGeom>
+          <a:solidFill>
+            <a:srgbClr val="4E80C6"/>
+          </a:solidFill>
+          <a:ln>
+            <a:solidFill>
+              <a:schemeClr val="tx1"/>
+            </a:solidFill>
+          </a:ln>
         </p:spPr>
-        <p:txBody>
-          <a:bodyPr wrap="square">
-            <a:spAutoFit/>
-          </a:bodyPr>
+        <p:style>
+          <a:lnRef idx="2">
+            <a:schemeClr val="accent1">
+              <a:shade val="50000"/>
+            </a:schemeClr>
+          </a:lnRef>
+          <a:fillRef idx="1">
+            <a:schemeClr val="accent1"/>
+          </a:fillRef>
+          <a:effectRef idx="0">
+            <a:schemeClr val="accent1"/>
+          </a:effectRef>
+          <a:fontRef idx="minor">
+            <a:schemeClr val="lt1"/>
+          </a:fontRef>
+        </p:style>
+        <p:txBody>
+          <a:bodyPr rtlCol="0" anchor="ctr"/>
           <a:lstStyle/>
           <a:p>
-            <a:r>
-              <a:rPr lang="en-US" sz="1100" dirty="0"/>
-              <a:t>create table Organization </a:t>
-            </a:r>
-          </a:p>
-          <a:p>
-            <a:r>
-              <a:rPr lang="en-US" sz="1100" dirty="0"/>
-              <a:t>(   	OrganizationID	        	INTEGER           	not null,  </a:t>
-            </a:r>
-          </a:p>
-          <a:p>
-            <a:r>
-              <a:rPr lang="en-US" sz="1100" dirty="0"/>
-              <a:t>	OrganizationName       		VARCHAR(50)	not null,   </a:t>
-            </a:r>
-          </a:p>
-          <a:p>
-            <a:r>
-              <a:rPr lang="en-US" sz="1100" dirty="0"/>
-              <a:t>constraint pkOrganization primary key (OrganizationID));</a:t>
-            </a:r>
-          </a:p>
-          <a:p>
-            <a:endParaRPr lang="en-US" sz="1100" dirty="0"/>
-          </a:p>
-          <a:p>
-            <a:r>
-              <a:rPr lang="en-US" sz="1100" dirty="0"/>
-              <a:t>create table Association </a:t>
-            </a:r>
-          </a:p>
-          <a:p>
-            <a:r>
-              <a:rPr lang="en-US" sz="1100" dirty="0"/>
-              <a:t>(   	AssociationID	        		INTEGER       		not null,   </a:t>
-            </a:r>
-          </a:p>
-          <a:p>
-            <a:r>
-              <a:rPr lang="en-US" sz="1100" dirty="0"/>
-              <a:t>	AssociationName	        	VARCHAR(100)	not null,		   	</a:t>
-            </a:r>
-          </a:p>
-          <a:p>
-            <a:r>
-              <a:rPr lang="en-US" sz="1100" dirty="0"/>
-              <a:t>	WebSite   			VARCHAR(100),   </a:t>
-            </a:r>
-          </a:p>
-          <a:p>
-            <a:r>
-              <a:rPr lang="en-US" sz="1100" dirty="0"/>
-              <a:t>	Phone1    			VARCHAR(50),   </a:t>
-            </a:r>
-          </a:p>
-          <a:p>
-            <a:r>
-              <a:rPr lang="en-US" sz="1100" dirty="0"/>
-              <a:t>	Phone2	         		VARCHAR(50),   </a:t>
-            </a:r>
-          </a:p>
-          <a:p>
-            <a:r>
-              <a:rPr lang="en-US" sz="1100"/>
-              <a:t>constraint </a:t>
-            </a:r>
-            <a:r>
-              <a:rPr lang="en-US" sz="1100" dirty="0"/>
-              <a:t>pkAssociation primary key (AssociationID));</a:t>
-            </a:r>
-          </a:p>
-          <a:p>
-            <a:endParaRPr lang="en-US" sz="1100" dirty="0"/>
-          </a:p>
-          <a:p>
-            <a:r>
-              <a:rPr lang="en-US" sz="1100" dirty="0"/>
-              <a:t>create table Team </a:t>
-            </a:r>
-          </a:p>
-          <a:p>
-            <a:r>
-              <a:rPr lang="en-US" sz="1100" dirty="0"/>
-              <a:t>(   	TeamID	        	          	INTEGER          	not null,   </a:t>
-            </a:r>
-          </a:p>
-          <a:p>
-            <a:r>
-              <a:rPr lang="en-US" sz="1100" dirty="0"/>
-              <a:t>	TeamLetter	          		CHAR(1)    		not null,   </a:t>
-            </a:r>
-          </a:p>
-          <a:p>
-            <a:r>
-              <a:rPr lang="en-US" sz="1100" dirty="0"/>
-              <a:t>	TeamColor	          		VARCHAR(15)	not null,			   	TeamSpiritName	          	VARCHAR(50),   </a:t>
-            </a:r>
-          </a:p>
-          <a:p>
-            <a:r>
-              <a:rPr lang="en-US" sz="1100" dirty="0"/>
-              <a:t>	TeamPoints	          		INTEGER,   </a:t>
-            </a:r>
-          </a:p>
-          <a:p>
-            <a:r>
-              <a:rPr lang="en-US" sz="1100" dirty="0"/>
-              <a:t>	TeamRank	          		INTEGER,   </a:t>
-            </a:r>
-          </a:p>
-          <a:p>
-            <a:r>
-              <a:rPr lang="en-US" sz="1100" dirty="0"/>
-              <a:t>constraint pkTeam primary key (TeamID));</a:t>
-            </a:r>
-          </a:p>
-          <a:p>
-            <a:endParaRPr lang="en-US" sz="1100" dirty="0"/>
-          </a:p>
-          <a:p>
-            <a:r>
-              <a:rPr lang="en-US" sz="1100" dirty="0"/>
-              <a:t>create table Venue </a:t>
-            </a:r>
-          </a:p>
-          <a:p>
-            <a:r>
-              <a:rPr lang="en-US" sz="1100" dirty="0"/>
-              <a:t>(   	VenueID	        	 	INTEGER       		not null,   </a:t>
-            </a:r>
-          </a:p>
-          <a:p>
-            <a:r>
-              <a:rPr lang="en-US" sz="1100" dirty="0"/>
-              <a:t>	VenueName			VARCHAR(100)	not null,		   </a:t>
-            </a:r>
-          </a:p>
-          <a:p>
-            <a:r>
-              <a:rPr lang="en-US" sz="1100" dirty="0"/>
-              <a:t>	VenueAddress1           		VARCHAR(100),   </a:t>
-            </a:r>
-          </a:p>
-          <a:p>
-            <a:r>
-              <a:rPr lang="en-US" sz="1100" dirty="0"/>
-              <a:t>	VenueAddress2           		VARCHAR(100),   </a:t>
-            </a:r>
-          </a:p>
-          <a:p>
-            <a:r>
-              <a:rPr lang="en-US" sz="1100" dirty="0"/>
-              <a:t>	VenueCity			VARCHAR(100),   </a:t>
-            </a:r>
-          </a:p>
-          <a:p>
-            <a:r>
-              <a:rPr lang="en-US" sz="1100" dirty="0"/>
-              <a:t>	VenueState			CHAR(2),   </a:t>
-            </a:r>
-          </a:p>
-          <a:p>
-            <a:r>
-              <a:rPr lang="en-US" sz="1100" dirty="0"/>
-              <a:t>constraint pkVenue primary key (VenueID));</a:t>
-            </a:r>
-          </a:p>
-        </p:txBody>
-      </p:sp>
-    </p:spTree>
-    <p:extLst>
-      <p:ext uri="{BB962C8B-B14F-4D97-AF65-F5344CB8AC3E}">
-        <p14:creationId xmlns:p14="http://schemas.microsoft.com/office/powerpoint/2010/main" val="1613384394"/>
-      </p:ext>
-    </p:extLst>
-  </p:cSld>
-  <p:clrMapOvr>
-    <a:masterClrMapping/>
-  </p:clrMapOvr>
-</p:sld>
-</file>
-
-<file path=ppt/slides/slide4.xml><?xml version="1.0" encoding="utf-8"?>
-<p:sld xmlns:a="http://schemas.openxmlformats.org/drawingml/2006/main" xmlns:r="http://schemas.openxmlformats.org/officeDocument/2006/relationships" xmlns:p="http://schemas.openxmlformats.org/presentationml/2006/main">
-  <p:cSld>
-    <p:spTree>
-      <p:nvGrpSpPr>
-        <p:cNvPr id="1" name=""/>
-        <p:cNvGrpSpPr/>
-        <p:nvPr/>
-      </p:nvGrpSpPr>
-      <p:grpSpPr>
-        <a:xfrm>
-          <a:off x="0" y="0"/>
-          <a:ext cx="0" cy="0"/>
-          <a:chOff x="0" y="0"/>
-          <a:chExt cx="0" cy="0"/>
-        </a:xfrm>
-      </p:grpSpPr>
-      <p:sp>
-        <p:nvSpPr>
-          <p:cNvPr id="2" name="Title 1"/>
-          <p:cNvSpPr>
-            <a:spLocks noGrp="1"/>
-          </p:cNvSpPr>
-          <p:nvPr>
-            <p:ph type="title"/>
-          </p:nvPr>
-        </p:nvSpPr>
-        <p:spPr>
-          <a:xfrm>
-            <a:off x="0" y="276225"/>
-            <a:ext cx="9144000" cy="561975"/>
-          </a:xfrm>
-        </p:spPr>
-        <p:txBody>
-          <a:bodyPr/>
-          <a:lstStyle/>
-          <a:p>
             <a:pPr algn="ctr"/>
             <a:r>
-              <a:rPr lang="en-US" b="0" dirty="0">
+              <a:rPr lang="en-US" sz="1200" b="1" dirty="0">
                 <a:solidFill>
                   <a:schemeClr val="bg1"/>
                 </a:solidFill>
-                <a:latin typeface="+mn-lt"/>
               </a:rPr>
-              <a:t>Meeting Manager Schema - 2</a:t>
-            </a:r>
-          </a:p>
-        </p:txBody>
-      </p:sp>
-      <p:sp>
-        <p:nvSpPr>
-          <p:cNvPr id="3" name="Slide Number Placeholder 2"/>
-          <p:cNvSpPr>
-            <a:spLocks noGrp="1"/>
-          </p:cNvSpPr>
-          <p:nvPr>
-            <p:ph type="sldNum" sz="quarter" idx="12"/>
-          </p:nvPr>
-        </p:nvSpPr>
-        <p:spPr/>
-        <p:txBody>
-          <a:bodyPr/>
-          <a:lstStyle/>
-          <a:p>
-            <a:pPr>
-              <a:defRPr/>
-            </a:pPr>
-            <a:fld id="{A1DCCCC6-723F-4734-B30A-48B8D688C422}" type="slidenum">
-              <a:rPr lang="en-US" smtClean="0"/>
-              <a:pPr>
-                <a:defRPr/>
-              </a:pPr>
-              <a:t>4</a:t>
-            </a:fld>
-            <a:endParaRPr lang="en-US" dirty="0"/>
-          </a:p>
-        </p:txBody>
-      </p:sp>
-      <p:sp>
-        <p:nvSpPr>
-          <p:cNvPr id="7" name="Rectangle 6">
+              <a:t>FoodAllergy</a:t>
+            </a:r>
+          </a:p>
+        </p:txBody>
+      </p:sp>
+      <p:sp>
+        <p:nvSpPr>
+          <p:cNvPr id="25" name="Rectangle 24">
             <a:extLst>
               <a:ext uri="{FF2B5EF4-FFF2-40B4-BE49-F238E27FC236}">
-                <a16:creationId xmlns:a16="http://schemas.microsoft.com/office/drawing/2014/main" id="{487D2D0A-384E-FD44-9A64-3675D4CFBF07}"/>
+                <a16:creationId xmlns:a16="http://schemas.microsoft.com/office/drawing/2014/main" id="{3A4C2309-ABD3-C146-92C3-BE70E15BCCDA}"/>
               </a:ext>
             </a:extLst>
           </p:cNvPr>
@@ -7492,298 +6710,59 @@
         </p:nvSpPr>
         <p:spPr>
           <a:xfrm>
-            <a:off x="279133" y="1146901"/>
-            <a:ext cx="8864867" cy="5339923"/>
+            <a:off x="7555624" y="2906476"/>
+            <a:ext cx="1169910" cy="760061"/>
           </a:xfrm>
           <a:prstGeom prst="rect">
             <a:avLst/>
           </a:prstGeom>
+          <a:solidFill>
+            <a:srgbClr val="4E80C6"/>
+          </a:solidFill>
+          <a:ln>
+            <a:solidFill>
+              <a:schemeClr val="tx1"/>
+            </a:solidFill>
+          </a:ln>
         </p:spPr>
-        <p:txBody>
-          <a:bodyPr wrap="square">
-            <a:spAutoFit/>
-          </a:bodyPr>
+        <p:style>
+          <a:lnRef idx="2">
+            <a:schemeClr val="accent1">
+              <a:shade val="50000"/>
+            </a:schemeClr>
+          </a:lnRef>
+          <a:fillRef idx="1">
+            <a:schemeClr val="accent1"/>
+          </a:fillRef>
+          <a:effectRef idx="0">
+            <a:schemeClr val="accent1"/>
+          </a:effectRef>
+          <a:fontRef idx="minor">
+            <a:schemeClr val="lt1"/>
+          </a:fontRef>
+        </p:style>
+        <p:txBody>
+          <a:bodyPr rtlCol="0" anchor="ctr"/>
           <a:lstStyle/>
           <a:p>
-            <a:r>
-              <a:rPr lang="en-US" sz="1100" dirty="0"/>
-              <a:t>create table Meeting </a:t>
-            </a:r>
-          </a:p>
-          <a:p>
-            <a:r>
-              <a:rPr lang="en-US" sz="1100" dirty="0"/>
-              <a:t>(   	MeetingID			INTEGER           	not null,   </a:t>
-            </a:r>
-          </a:p>
-          <a:p>
-            <a:r>
-              <a:rPr lang="en-US" sz="1100" dirty="0"/>
-              <a:t>	VenueID			INTEGER,   </a:t>
-            </a:r>
-          </a:p>
-          <a:p>
-            <a:r>
-              <a:rPr lang="en-US" sz="1100" dirty="0"/>
-              <a:t>	MeetingName			VARCHAR(100)      	not null,   </a:t>
-            </a:r>
-          </a:p>
-          <a:p>
-            <a:r>
-              <a:rPr lang="en-US" sz="1100" dirty="0"/>
-              <a:t>	MeetingDateStart		DATE                    	not null,   </a:t>
-            </a:r>
-          </a:p>
-          <a:p>
-            <a:r>
-              <a:rPr lang="en-US" sz="1100" dirty="0"/>
-              <a:t>	MeetingDateEnd		DATE                    	not null,   </a:t>
-            </a:r>
-          </a:p>
-          <a:p>
-            <a:r>
-              <a:rPr lang="en-US" sz="1100" dirty="0"/>
-              <a:t>	MeetingHours			VARCHAR(50),   </a:t>
-            </a:r>
-          </a:p>
-          <a:p>
-            <a:r>
-              <a:rPr lang="en-US" sz="1100" dirty="0"/>
-              <a:t>	MeetingSponsor		VARCHAR(50),   </a:t>
-            </a:r>
-          </a:p>
-          <a:p>
-            <a:r>
-              <a:rPr lang="en-US" sz="1100" dirty="0"/>
-              <a:t>	MeetingRoomName		VARCHAR(50),   </a:t>
-            </a:r>
-          </a:p>
-          <a:p>
-            <a:r>
-              <a:rPr lang="en-US" sz="1100" dirty="0"/>
-              <a:t>constraint pkMeeting primary key (MeetingID),   </a:t>
-            </a:r>
-          </a:p>
-          <a:p>
-            <a:r>
-              <a:rPr lang="en-US" sz="1100" dirty="0"/>
-              <a:t>constraint fkMeetingVenue foreign key (VenueID) references Venue(VenueID));</a:t>
-            </a:r>
-          </a:p>
-          <a:p>
-            <a:endParaRPr lang="en-US" sz="1100" dirty="0"/>
-          </a:p>
-          <a:p>
-            <a:r>
-              <a:rPr lang="en-US" sz="1100" dirty="0"/>
-              <a:t>create table Equipment </a:t>
-            </a:r>
-          </a:p>
-          <a:p>
-            <a:r>
-              <a:rPr lang="en-US" sz="1100" dirty="0"/>
-              <a:t>(   	EquipmentID			INTEGER                	not null,   </a:t>
-            </a:r>
-          </a:p>
-          <a:p>
-            <a:r>
-              <a:rPr lang="en-US" sz="1100" dirty="0"/>
-              <a:t>	MeetingID			INTEGER		not null,   </a:t>
-            </a:r>
-          </a:p>
-          <a:p>
-            <a:r>
-              <a:rPr lang="en-US" sz="1100" dirty="0"/>
-              <a:t>	EquipmentDescription		VARCHAR(100)	not null,   </a:t>
-            </a:r>
-          </a:p>
-          <a:p>
-            <a:r>
-              <a:rPr lang="en-US" sz="1100" dirty="0"/>
-              <a:t>	Quantity			INTEGER		not null,   </a:t>
-            </a:r>
-          </a:p>
-          <a:p>
-            <a:r>
-              <a:rPr lang="en-US" sz="1100" dirty="0"/>
-              <a:t>	SetupInstructions		VARCHAR(250),   </a:t>
-            </a:r>
-          </a:p>
-          <a:p>
-            <a:r>
-              <a:rPr lang="en-US" sz="1100" dirty="0"/>
-              <a:t>	OwnedorRental		CHAR(1),   </a:t>
-            </a:r>
-          </a:p>
-          <a:p>
-            <a:r>
-              <a:rPr lang="en-US" sz="1100" dirty="0"/>
-              <a:t>	DailyRentalPrice		NUMERIC,   </a:t>
-            </a:r>
-          </a:p>
-          <a:p>
-            <a:r>
-              <a:rPr lang="en-US" sz="1100" dirty="0"/>
-              <a:t>constraint pkEquipment primary key (EquipmentID),   </a:t>
-            </a:r>
-          </a:p>
-          <a:p>
-            <a:r>
-              <a:rPr lang="en-US" sz="1100" dirty="0"/>
-              <a:t>constraint fkEquipmentMeeting foreign key (MeetingID) references Meeting(MeetingID));</a:t>
-            </a:r>
-          </a:p>
-          <a:p>
-            <a:endParaRPr lang="en-US" sz="1100" dirty="0"/>
-          </a:p>
-          <a:p>
-            <a:r>
-              <a:rPr lang="en-US" sz="1100" dirty="0"/>
-              <a:t>create table Topic </a:t>
-            </a:r>
-          </a:p>
-          <a:p>
-            <a:r>
-              <a:rPr lang="en-US" sz="1100" dirty="0"/>
-              <a:t>(   	TopicID	        	    	INTEGER           	not null,   </a:t>
-            </a:r>
-          </a:p>
-          <a:p>
-            <a:r>
-              <a:rPr lang="en-US" sz="1100" dirty="0"/>
-              <a:t>	TopicDescription		VARCHAR(100)      	not null,   </a:t>
-            </a:r>
-          </a:p>
-          <a:p>
-            <a:r>
-              <a:rPr lang="en-US" sz="1100" dirty="0"/>
-              <a:t>	TopicDate                 		DATE,   </a:t>
-            </a:r>
-          </a:p>
-          <a:p>
-            <a:r>
-              <a:rPr lang="en-US" sz="1100" dirty="0"/>
-              <a:t>	TopicSequence		INTEGER,   </a:t>
-            </a:r>
-          </a:p>
-          <a:p>
-            <a:r>
-              <a:rPr lang="en-US" sz="1100" dirty="0"/>
-              <a:t>	MeetingID                    		INTEGER		not null,   </a:t>
-            </a:r>
-          </a:p>
-          <a:p>
-            <a:r>
-              <a:rPr lang="en-US" sz="1100" dirty="0"/>
-              <a:t>constraint pkTopic primary key (TopicID),   </a:t>
-            </a:r>
-          </a:p>
-          <a:p>
-            <a:r>
-              <a:rPr lang="en-US" sz="1100" dirty="0"/>
-              <a:t>constraint fkTopicMeeting foreign key (MeetingID) references Meeting(MeetingID));</a:t>
-            </a:r>
-          </a:p>
-        </p:txBody>
-      </p:sp>
-    </p:spTree>
-    <p:extLst>
-      <p:ext uri="{BB962C8B-B14F-4D97-AF65-F5344CB8AC3E}">
-        <p14:creationId xmlns:p14="http://schemas.microsoft.com/office/powerpoint/2010/main" val="192199368"/>
-      </p:ext>
-    </p:extLst>
-  </p:cSld>
-  <p:clrMapOvr>
-    <a:masterClrMapping/>
-  </p:clrMapOvr>
-</p:sld>
-</file>
-
-<file path=ppt/slides/slide5.xml><?xml version="1.0" encoding="utf-8"?>
-<p:sld xmlns:a="http://schemas.openxmlformats.org/drawingml/2006/main" xmlns:r="http://schemas.openxmlformats.org/officeDocument/2006/relationships" xmlns:p="http://schemas.openxmlformats.org/presentationml/2006/main">
-  <p:cSld>
-    <p:spTree>
-      <p:nvGrpSpPr>
-        <p:cNvPr id="1" name=""/>
-        <p:cNvGrpSpPr/>
-        <p:nvPr/>
-      </p:nvGrpSpPr>
-      <p:grpSpPr>
-        <a:xfrm>
-          <a:off x="0" y="0"/>
-          <a:ext cx="0" cy="0"/>
-          <a:chOff x="0" y="0"/>
-          <a:chExt cx="0" cy="0"/>
-        </a:xfrm>
-      </p:grpSpPr>
-      <p:sp>
-        <p:nvSpPr>
-          <p:cNvPr id="2" name="Title 1"/>
-          <p:cNvSpPr>
-            <a:spLocks noGrp="1"/>
-          </p:cNvSpPr>
-          <p:nvPr>
-            <p:ph type="title"/>
-          </p:nvPr>
-        </p:nvSpPr>
-        <p:spPr>
-          <a:xfrm>
-            <a:off x="0" y="276225"/>
-            <a:ext cx="9144000" cy="561975"/>
-          </a:xfrm>
-        </p:spPr>
-        <p:txBody>
-          <a:bodyPr/>
-          <a:lstStyle/>
-          <a:p>
             <a:pPr algn="ctr"/>
             <a:r>
-              <a:rPr lang="en-US" b="0" dirty="0">
+              <a:rPr lang="en-US" sz="1200" b="1" dirty="0">
                 <a:solidFill>
                   <a:schemeClr val="bg1"/>
                 </a:solidFill>
-                <a:latin typeface="+mn-lt"/>
               </a:rPr>
-              <a:t>Meeting Manager Schema - 3</a:t>
-            </a:r>
-          </a:p>
-        </p:txBody>
-      </p:sp>
-      <p:sp>
-        <p:nvSpPr>
-          <p:cNvPr id="3" name="Slide Number Placeholder 2"/>
-          <p:cNvSpPr>
-            <a:spLocks noGrp="1"/>
-          </p:cNvSpPr>
-          <p:nvPr>
-            <p:ph type="sldNum" sz="quarter" idx="12"/>
-          </p:nvPr>
-        </p:nvSpPr>
-        <p:spPr/>
-        <p:txBody>
-          <a:bodyPr/>
-          <a:lstStyle/>
-          <a:p>
-            <a:pPr>
-              <a:defRPr/>
-            </a:pPr>
-            <a:fld id="{A1DCCCC6-723F-4734-B30A-48B8D688C422}" type="slidenum">
-              <a:rPr lang="en-US" smtClean="0"/>
-              <a:pPr>
-                <a:defRPr/>
-              </a:pPr>
-              <a:t>5</a:t>
-            </a:fld>
-            <a:endParaRPr lang="en-US" dirty="0"/>
-          </a:p>
-        </p:txBody>
-      </p:sp>
-      <p:sp>
-        <p:nvSpPr>
-          <p:cNvPr id="7" name="Rectangle 6">
+              <a:t>Allergy</a:t>
+            </a:r>
+          </a:p>
+        </p:txBody>
+      </p:sp>
+      <p:sp>
+        <p:nvSpPr>
+          <p:cNvPr id="27" name="Rectangle 26">
             <a:extLst>
               <a:ext uri="{FF2B5EF4-FFF2-40B4-BE49-F238E27FC236}">
-                <a16:creationId xmlns:a16="http://schemas.microsoft.com/office/drawing/2014/main" id="{487D2D0A-384E-FD44-9A64-3675D4CFBF07}"/>
+                <a16:creationId xmlns:a16="http://schemas.microsoft.com/office/drawing/2014/main" id="{F08C40C2-1995-A741-AC08-9376696727D4}"/>
               </a:ext>
             </a:extLst>
           </p:cNvPr>
@@ -7792,274 +6771,55 @@
         </p:nvSpPr>
         <p:spPr>
           <a:xfrm>
-            <a:off x="279133" y="1185405"/>
-            <a:ext cx="8864867" cy="4662815"/>
+            <a:off x="3502323" y="5568794"/>
+            <a:ext cx="1240300" cy="760061"/>
           </a:xfrm>
           <a:prstGeom prst="rect">
             <a:avLst/>
           </a:prstGeom>
+          <a:solidFill>
+            <a:srgbClr val="4E80C6"/>
+          </a:solidFill>
+          <a:ln>
+            <a:solidFill>
+              <a:schemeClr val="tx1"/>
+            </a:solidFill>
+          </a:ln>
         </p:spPr>
-        <p:txBody>
-          <a:bodyPr wrap="square">
-            <a:spAutoFit/>
-          </a:bodyPr>
+        <p:style>
+          <a:lnRef idx="2">
+            <a:schemeClr val="accent1">
+              <a:shade val="50000"/>
+            </a:schemeClr>
+          </a:lnRef>
+          <a:fillRef idx="1">
+            <a:schemeClr val="accent1"/>
+          </a:fillRef>
+          <a:effectRef idx="0">
+            <a:schemeClr val="accent1"/>
+          </a:effectRef>
+          <a:fontRef idx="minor">
+            <a:schemeClr val="lt1"/>
+          </a:fontRef>
+        </p:style>
+        <p:txBody>
+          <a:bodyPr rtlCol="0" anchor="ctr"/>
           <a:lstStyle/>
           <a:p>
-            <a:r>
-              <a:rPr lang="en-US" sz="1100" dirty="0"/>
-              <a:t>create table Participant </a:t>
-            </a:r>
-          </a:p>
-          <a:p>
-            <a:r>
-              <a:rPr lang="en-US" sz="1100" dirty="0"/>
-              <a:t>(    	ParticipantID              		INTEGER           	not null,    </a:t>
-            </a:r>
-          </a:p>
-          <a:p>
-            <a:r>
-              <a:rPr lang="en-US" sz="1100" dirty="0"/>
-              <a:t>	OrganizationID		INTEGER                 	not null,    </a:t>
-            </a:r>
-          </a:p>
-          <a:p>
-            <a:r>
-              <a:rPr lang="en-US" sz="1100" dirty="0"/>
-              <a:t>	FirstName                   		VARCHAR(100)     	not null,    </a:t>
-            </a:r>
-          </a:p>
-          <a:p>
-            <a:r>
-              <a:rPr lang="en-US" sz="1100" dirty="0"/>
-              <a:t>	LastName               		VARCHAR(100)     	not null,  </a:t>
-            </a:r>
-          </a:p>
-          <a:p>
-            <a:r>
-              <a:rPr lang="en-US" sz="1100" dirty="0"/>
-              <a:t>	ShortName			VARCHAR(50), </a:t>
-            </a:r>
-          </a:p>
-          <a:p>
-            <a:r>
-              <a:rPr lang="en-US" sz="1100" dirty="0"/>
-              <a:t>	EmailAddress			VARCHAR(100),    </a:t>
-            </a:r>
-          </a:p>
-          <a:p>
-            <a:r>
-              <a:rPr lang="en-US" sz="1100" dirty="0"/>
-              <a:t>	FY			VARCHAR(10),   </a:t>
-            </a:r>
-          </a:p>
-          <a:p>
-            <a:r>
-              <a:rPr lang="en-US" sz="1100" dirty="0"/>
-              <a:t>	DietaryNeeds			VARCHAR(250),    </a:t>
-            </a:r>
-          </a:p>
-          <a:p>
-            <a:r>
-              <a:rPr lang="en-US" sz="1100" dirty="0"/>
-              <a:t>	TeamID			INTEGER,    </a:t>
-            </a:r>
-          </a:p>
-          <a:p>
-            <a:r>
-              <a:rPr lang="en-US" sz="1100" dirty="0"/>
-              <a:t>	MeetingID			INTEGER,    </a:t>
-            </a:r>
-          </a:p>
-          <a:p>
-            <a:r>
-              <a:rPr lang="en-US" sz="1100" dirty="0"/>
-              <a:t>constraint pkParticipant primary key (ParticipantID),    </a:t>
-            </a:r>
-          </a:p>
-          <a:p>
-            <a:r>
-              <a:rPr lang="en-US" sz="1100" dirty="0"/>
-              <a:t>constraint fkPartipantOrg foreign key (OrganizationID) references Organization (OrganizationID),    </a:t>
-            </a:r>
-          </a:p>
-          <a:p>
-            <a:r>
-              <a:rPr lang="en-US" sz="1100" dirty="0"/>
-              <a:t>constraint fkPartipantTeam foreign key (TeamID) references Team(TeamID),    </a:t>
-            </a:r>
-          </a:p>
-          <a:p>
-            <a:r>
-              <a:rPr lang="en-US" sz="1100" dirty="0"/>
-              <a:t>constraint fkPartipantMeeting foreign key (MeetingID) references Meeting(MeetingID));</a:t>
-            </a:r>
-          </a:p>
-          <a:p>
-            <a:endParaRPr lang="en-US" sz="1100" dirty="0"/>
-          </a:p>
-          <a:p>
-            <a:r>
-              <a:rPr lang="en-US" sz="1100" dirty="0"/>
-              <a:t>create table Facilitator </a:t>
-            </a:r>
-          </a:p>
-          <a:p>
-            <a:r>
-              <a:rPr lang="en-US" sz="1100" dirty="0"/>
-              <a:t>(   	FacilitatorID           		INTEGER         	not null,   </a:t>
-            </a:r>
-          </a:p>
-          <a:p>
-            <a:r>
-              <a:rPr lang="en-US" sz="1100" dirty="0"/>
-              <a:t>	AssociationID			INTEGER		not null,   </a:t>
-            </a:r>
-          </a:p>
-          <a:p>
-            <a:r>
-              <a:rPr lang="en-US" sz="1100" dirty="0"/>
-              <a:t>	MeetingID			INTEGER,   </a:t>
-            </a:r>
-          </a:p>
-          <a:p>
-            <a:r>
-              <a:rPr lang="en-US" sz="1100" dirty="0"/>
-              <a:t>	FacilitatorFN			VARCHAR(50),   </a:t>
-            </a:r>
-          </a:p>
-          <a:p>
-            <a:r>
-              <a:rPr lang="en-US" sz="1100" dirty="0"/>
-              <a:t>	FacilitatorLN			VARCHAR(50),   </a:t>
-            </a:r>
-          </a:p>
-          <a:p>
-            <a:r>
-              <a:rPr lang="en-US" sz="1100" dirty="0"/>
-              <a:t>	FacilitatorRole			VARCHAR(50),   </a:t>
-            </a:r>
-          </a:p>
-          <a:p>
-            <a:r>
-              <a:rPr lang="en-US" sz="1100" dirty="0"/>
-              <a:t>constraint pkFacilitator primary key (FacilitatorID),   </a:t>
-            </a:r>
-          </a:p>
-          <a:p>
-            <a:r>
-              <a:rPr lang="en-US" sz="1100" dirty="0"/>
-              <a:t>constraint fkFacilitatorAssociation foreign key (AssociationID) references Association (AssociationID),   </a:t>
-            </a:r>
-          </a:p>
-          <a:p>
-            <a:r>
-              <a:rPr lang="en-US" sz="1100" dirty="0"/>
-              <a:t>constraint fkFacilitatorMeeting foreign key (MeetingID) references Meeting(MeetingID));</a:t>
-            </a:r>
-          </a:p>
-          <a:p>
-            <a:endParaRPr lang="en-US" sz="1100" dirty="0"/>
-          </a:p>
-        </p:txBody>
-      </p:sp>
-    </p:spTree>
-    <p:extLst>
-      <p:ext uri="{BB962C8B-B14F-4D97-AF65-F5344CB8AC3E}">
-        <p14:creationId xmlns:p14="http://schemas.microsoft.com/office/powerpoint/2010/main" val="3485694779"/>
-      </p:ext>
-    </p:extLst>
-  </p:cSld>
-  <p:clrMapOvr>
-    <a:masterClrMapping/>
-  </p:clrMapOvr>
-</p:sld>
-</file>
-
-<file path=ppt/slides/slide6.xml><?xml version="1.0" encoding="utf-8"?>
-<p:sld xmlns:a="http://schemas.openxmlformats.org/drawingml/2006/main" xmlns:r="http://schemas.openxmlformats.org/officeDocument/2006/relationships" xmlns:p="http://schemas.openxmlformats.org/presentationml/2006/main">
-  <p:cSld>
-    <p:spTree>
-      <p:nvGrpSpPr>
-        <p:cNvPr id="1" name=""/>
-        <p:cNvGrpSpPr/>
-        <p:nvPr/>
-      </p:nvGrpSpPr>
-      <p:grpSpPr>
-        <a:xfrm>
-          <a:off x="0" y="0"/>
-          <a:ext cx="0" cy="0"/>
-          <a:chOff x="0" y="0"/>
-          <a:chExt cx="0" cy="0"/>
-        </a:xfrm>
-      </p:grpSpPr>
-      <p:sp>
-        <p:nvSpPr>
-          <p:cNvPr id="2" name="Title 1"/>
-          <p:cNvSpPr>
-            <a:spLocks noGrp="1"/>
-          </p:cNvSpPr>
-          <p:nvPr>
-            <p:ph type="title"/>
-          </p:nvPr>
-        </p:nvSpPr>
-        <p:spPr>
-          <a:xfrm>
-            <a:off x="0" y="276225"/>
-            <a:ext cx="9144000" cy="561975"/>
-          </a:xfrm>
-        </p:spPr>
-        <p:txBody>
-          <a:bodyPr/>
-          <a:lstStyle/>
-          <a:p>
             <a:pPr algn="ctr"/>
             <a:r>
-              <a:rPr lang="en-US" b="0" dirty="0">
-                <a:solidFill>
-                  <a:schemeClr val="bg1"/>
-                </a:solidFill>
-                <a:latin typeface="+mn-lt"/>
-              </a:rPr>
-              <a:t>Meeting Manager Schema - 4</a:t>
-            </a:r>
-          </a:p>
-        </p:txBody>
-      </p:sp>
-      <p:sp>
-        <p:nvSpPr>
-          <p:cNvPr id="3" name="Slide Number Placeholder 2"/>
-          <p:cNvSpPr>
-            <a:spLocks noGrp="1"/>
-          </p:cNvSpPr>
-          <p:nvPr>
-            <p:ph type="sldNum" sz="quarter" idx="12"/>
-          </p:nvPr>
-        </p:nvSpPr>
-        <p:spPr/>
-        <p:txBody>
-          <a:bodyPr/>
-          <a:lstStyle/>
-          <a:p>
-            <a:pPr>
-              <a:defRPr/>
-            </a:pPr>
-            <a:fld id="{A1DCCCC6-723F-4734-B30A-48B8D688C422}" type="slidenum">
-              <a:rPr lang="en-US" smtClean="0"/>
-              <a:pPr>
-                <a:defRPr/>
-              </a:pPr>
-              <a:t>6</a:t>
-            </a:fld>
-            <a:endParaRPr lang="en-US" dirty="0"/>
-          </a:p>
-        </p:txBody>
-      </p:sp>
-      <p:sp>
-        <p:nvSpPr>
-          <p:cNvPr id="7" name="Rectangle 6">
+              <a:rPr lang="en-US" sz="1200" b="1" dirty="0"/>
+              <a:t>ExpenseType</a:t>
+            </a:r>
+          </a:p>
+        </p:txBody>
+      </p:sp>
+      <p:sp>
+        <p:nvSpPr>
+          <p:cNvPr id="28" name="Rectangle 27">
             <a:extLst>
               <a:ext uri="{FF2B5EF4-FFF2-40B4-BE49-F238E27FC236}">
-                <a16:creationId xmlns:a16="http://schemas.microsoft.com/office/drawing/2014/main" id="{487D2D0A-384E-FD44-9A64-3675D4CFBF07}"/>
+                <a16:creationId xmlns:a16="http://schemas.microsoft.com/office/drawing/2014/main" id="{9061BC1C-6D8F-EA47-990D-8D2FAA5E0F67}"/>
               </a:ext>
             </a:extLst>
           </p:cNvPr>
@@ -8068,73 +6828,661 @@
         </p:nvSpPr>
         <p:spPr>
           <a:xfrm>
-            <a:off x="279133" y="1108403"/>
-            <a:ext cx="8864867" cy="1954381"/>
+            <a:off x="5905401" y="5565843"/>
+            <a:ext cx="1240300" cy="760061"/>
           </a:xfrm>
           <a:prstGeom prst="rect">
             <a:avLst/>
           </a:prstGeom>
+          <a:solidFill>
+            <a:srgbClr val="4E80C6"/>
+          </a:solidFill>
+          <a:ln>
+            <a:solidFill>
+              <a:schemeClr val="tx1"/>
+            </a:solidFill>
+          </a:ln>
         </p:spPr>
-        <p:txBody>
-          <a:bodyPr wrap="square">
+        <p:style>
+          <a:lnRef idx="2">
+            <a:schemeClr val="accent1">
+              <a:shade val="50000"/>
+            </a:schemeClr>
+          </a:lnRef>
+          <a:fillRef idx="1">
+            <a:schemeClr val="accent1"/>
+          </a:fillRef>
+          <a:effectRef idx="0">
+            <a:schemeClr val="accent1"/>
+          </a:effectRef>
+          <a:fontRef idx="minor">
+            <a:schemeClr val="lt1"/>
+          </a:fontRef>
+        </p:style>
+        <p:txBody>
+          <a:bodyPr rtlCol="0" anchor="ctr"/>
+          <a:lstStyle/>
+          <a:p>
+            <a:pPr algn="ctr"/>
+            <a:r>
+              <a:rPr lang="en-US" sz="1200" b="1" dirty="0"/>
+              <a:t>Expense</a:t>
+            </a:r>
+          </a:p>
+        </p:txBody>
+      </p:sp>
+      <p:sp>
+        <p:nvSpPr>
+          <p:cNvPr id="30" name="Rectangle 29">
+            <a:extLst>
+              <a:ext uri="{FF2B5EF4-FFF2-40B4-BE49-F238E27FC236}">
+                <a16:creationId xmlns:a16="http://schemas.microsoft.com/office/drawing/2014/main" id="{53B225AE-8AF0-FF49-93ED-ADE8352774CD}"/>
+              </a:ext>
+            </a:extLst>
+          </p:cNvPr>
+          <p:cNvSpPr/>
+          <p:nvPr/>
+        </p:nvSpPr>
+        <p:spPr>
+          <a:xfrm>
+            <a:off x="1804579" y="1830840"/>
+            <a:ext cx="1275170" cy="760061"/>
+          </a:xfrm>
+          <a:prstGeom prst="rect">
+            <a:avLst/>
+          </a:prstGeom>
+          <a:solidFill>
+            <a:srgbClr val="4E80C6"/>
+          </a:solidFill>
+          <a:ln>
+            <a:solidFill>
+              <a:schemeClr val="tx1"/>
+            </a:solidFill>
+          </a:ln>
+        </p:spPr>
+        <p:style>
+          <a:lnRef idx="2">
+            <a:schemeClr val="accent1">
+              <a:shade val="50000"/>
+            </a:schemeClr>
+          </a:lnRef>
+          <a:fillRef idx="1">
+            <a:schemeClr val="accent1"/>
+          </a:fillRef>
+          <a:effectRef idx="0">
+            <a:schemeClr val="accent1"/>
+          </a:effectRef>
+          <a:fontRef idx="minor">
+            <a:schemeClr val="lt1"/>
+          </a:fontRef>
+        </p:style>
+        <p:txBody>
+          <a:bodyPr rtlCol="0" anchor="ctr"/>
+          <a:lstStyle/>
+          <a:p>
+            <a:pPr algn="ctr"/>
+            <a:r>
+              <a:rPr lang="en-US" sz="1200" b="1" dirty="0">
+                <a:solidFill>
+                  <a:schemeClr val="bg1"/>
+                </a:solidFill>
+              </a:rPr>
+              <a:t>EventRoom</a:t>
+            </a:r>
+          </a:p>
+        </p:txBody>
+      </p:sp>
+      <p:cxnSp>
+        <p:nvCxnSpPr>
+          <p:cNvPr id="15" name="Elbow Connector 14">
+            <a:extLst>
+              <a:ext uri="{FF2B5EF4-FFF2-40B4-BE49-F238E27FC236}">
+                <a16:creationId xmlns:a16="http://schemas.microsoft.com/office/drawing/2014/main" id="{E4809770-E542-894C-AC7C-ED4C626F3084}"/>
+              </a:ext>
+            </a:extLst>
+          </p:cNvPr>
+          <p:cNvCxnSpPr>
+            <a:cxnSpLocks/>
+            <a:stCxn id="52" idx="1"/>
+            <a:endCxn id="30" idx="2"/>
+          </p:cNvCxnSpPr>
+          <p:nvPr/>
+        </p:nvCxnSpPr>
+        <p:spPr>
+          <a:xfrm rot="10800000">
+            <a:off x="2442165" y="2590901"/>
+            <a:ext cx="1038309" cy="629434"/>
+          </a:xfrm>
+          <a:prstGeom prst="bentConnector2">
+            <a:avLst/>
+          </a:prstGeom>
+          <a:ln w="38100">
+            <a:solidFill>
+              <a:schemeClr val="tx1"/>
+            </a:solidFill>
+            <a:tailEnd type="triangle"/>
+          </a:ln>
+        </p:spPr>
+        <p:style>
+          <a:lnRef idx="1">
+            <a:schemeClr val="accent1"/>
+          </a:lnRef>
+          <a:fillRef idx="0">
+            <a:schemeClr val="accent1"/>
+          </a:fillRef>
+          <a:effectRef idx="0">
+            <a:schemeClr val="accent1"/>
+          </a:effectRef>
+          <a:fontRef idx="minor">
+            <a:schemeClr val="tx1"/>
+          </a:fontRef>
+        </p:style>
+      </p:cxnSp>
+      <p:cxnSp>
+        <p:nvCxnSpPr>
+          <p:cNvPr id="18" name="Elbow Connector 17">
+            <a:extLst>
+              <a:ext uri="{FF2B5EF4-FFF2-40B4-BE49-F238E27FC236}">
+                <a16:creationId xmlns:a16="http://schemas.microsoft.com/office/drawing/2014/main" id="{370ECC12-B64A-6F44-859A-24957ECD7A9E}"/>
+              </a:ext>
+            </a:extLst>
+          </p:cNvPr>
+          <p:cNvCxnSpPr>
+            <a:stCxn id="52" idx="2"/>
+            <a:endCxn id="60" idx="3"/>
+          </p:cNvCxnSpPr>
+          <p:nvPr/>
+        </p:nvCxnSpPr>
+        <p:spPr>
+          <a:xfrm rot="5400000">
+            <a:off x="2776420" y="2863692"/>
+            <a:ext cx="279584" cy="2848267"/>
+          </a:xfrm>
+          <a:prstGeom prst="bentConnector2">
+            <a:avLst/>
+          </a:prstGeom>
+          <a:ln w="38100">
+            <a:solidFill>
+              <a:schemeClr val="tx1"/>
+            </a:solidFill>
+            <a:tailEnd type="triangle"/>
+          </a:ln>
+        </p:spPr>
+        <p:style>
+          <a:lnRef idx="1">
+            <a:schemeClr val="accent1"/>
+          </a:lnRef>
+          <a:fillRef idx="0">
+            <a:schemeClr val="accent1"/>
+          </a:fillRef>
+          <a:effectRef idx="0">
+            <a:schemeClr val="accent1"/>
+          </a:effectRef>
+          <a:fontRef idx="minor">
+            <a:schemeClr val="tx1"/>
+          </a:fontRef>
+        </p:style>
+      </p:cxnSp>
+      <p:cxnSp>
+        <p:nvCxnSpPr>
+          <p:cNvPr id="32" name="Straight Arrow Connector 31">
+            <a:extLst>
+              <a:ext uri="{FF2B5EF4-FFF2-40B4-BE49-F238E27FC236}">
+                <a16:creationId xmlns:a16="http://schemas.microsoft.com/office/drawing/2014/main" id="{3E5F640F-FDD7-AF4F-92B9-786975563627}"/>
+              </a:ext>
+            </a:extLst>
+          </p:cNvPr>
+          <p:cNvCxnSpPr>
+            <a:stCxn id="24" idx="2"/>
+            <a:endCxn id="25" idx="0"/>
+          </p:cNvCxnSpPr>
+          <p:nvPr/>
+        </p:nvCxnSpPr>
+        <p:spPr>
+          <a:xfrm>
+            <a:off x="8130954" y="1991190"/>
+            <a:ext cx="9625" cy="915286"/>
+          </a:xfrm>
+          <a:prstGeom prst="straightConnector1">
+            <a:avLst/>
+          </a:prstGeom>
+          <a:ln w="38100">
+            <a:solidFill>
+              <a:schemeClr val="tx1"/>
+            </a:solidFill>
+            <a:tailEnd type="triangle"/>
+          </a:ln>
+        </p:spPr>
+        <p:style>
+          <a:lnRef idx="1">
+            <a:schemeClr val="accent1"/>
+          </a:lnRef>
+          <a:fillRef idx="0">
+            <a:schemeClr val="accent1"/>
+          </a:fillRef>
+          <a:effectRef idx="0">
+            <a:schemeClr val="accent1"/>
+          </a:effectRef>
+          <a:fontRef idx="minor">
+            <a:schemeClr val="tx1"/>
+          </a:fontRef>
+        </p:style>
+      </p:cxnSp>
+      <p:cxnSp>
+        <p:nvCxnSpPr>
+          <p:cNvPr id="34" name="Elbow Connector 33">
+            <a:extLst>
+              <a:ext uri="{FF2B5EF4-FFF2-40B4-BE49-F238E27FC236}">
+                <a16:creationId xmlns:a16="http://schemas.microsoft.com/office/drawing/2014/main" id="{519C1A12-294D-2946-B2D7-3BAA0B94CB22}"/>
+              </a:ext>
+            </a:extLst>
+          </p:cNvPr>
+          <p:cNvCxnSpPr>
+            <a:cxnSpLocks/>
+            <a:stCxn id="58" idx="0"/>
+            <a:endCxn id="25" idx="1"/>
+          </p:cNvCxnSpPr>
+          <p:nvPr/>
+        </p:nvCxnSpPr>
+        <p:spPr>
+          <a:xfrm rot="5400000" flipH="1" flipV="1">
+            <a:off x="6787618" y="3159370"/>
+            <a:ext cx="640868" cy="895143"/>
+          </a:xfrm>
+          <a:prstGeom prst="bentConnector2">
+            <a:avLst/>
+          </a:prstGeom>
+          <a:ln w="38100">
+            <a:solidFill>
+              <a:schemeClr val="tx1"/>
+            </a:solidFill>
+            <a:tailEnd type="triangle"/>
+          </a:ln>
+        </p:spPr>
+        <p:style>
+          <a:lnRef idx="1">
+            <a:schemeClr val="accent1"/>
+          </a:lnRef>
+          <a:fillRef idx="0">
+            <a:schemeClr val="accent1"/>
+          </a:fillRef>
+          <a:effectRef idx="0">
+            <a:schemeClr val="accent1"/>
+          </a:effectRef>
+          <a:fontRef idx="minor">
+            <a:schemeClr val="tx1"/>
+          </a:fontRef>
+        </p:style>
+      </p:cxnSp>
+      <p:cxnSp>
+        <p:nvCxnSpPr>
+          <p:cNvPr id="37" name="Straight Arrow Connector 36">
+            <a:extLst>
+              <a:ext uri="{FF2B5EF4-FFF2-40B4-BE49-F238E27FC236}">
+                <a16:creationId xmlns:a16="http://schemas.microsoft.com/office/drawing/2014/main" id="{D6D403A6-CB25-6F44-B8F1-6B676CEBB7D9}"/>
+              </a:ext>
+            </a:extLst>
+          </p:cNvPr>
+          <p:cNvCxnSpPr>
+            <a:cxnSpLocks/>
+          </p:cNvCxnSpPr>
+          <p:nvPr/>
+        </p:nvCxnSpPr>
+        <p:spPr>
+          <a:xfrm>
+            <a:off x="6853187" y="4687436"/>
+            <a:ext cx="0" cy="878407"/>
+          </a:xfrm>
+          <a:prstGeom prst="straightConnector1">
+            <a:avLst/>
+          </a:prstGeom>
+          <a:ln w="38100">
+            <a:solidFill>
+              <a:schemeClr val="tx1"/>
+            </a:solidFill>
+            <a:tailEnd type="triangle"/>
+          </a:ln>
+        </p:spPr>
+        <p:style>
+          <a:lnRef idx="1">
+            <a:schemeClr val="accent1"/>
+          </a:lnRef>
+          <a:fillRef idx="0">
+            <a:schemeClr val="accent1"/>
+          </a:fillRef>
+          <a:effectRef idx="0">
+            <a:schemeClr val="accent1"/>
+          </a:effectRef>
+          <a:fontRef idx="minor">
+            <a:schemeClr val="tx1"/>
+          </a:fontRef>
+        </p:style>
+      </p:cxnSp>
+      <p:cxnSp>
+        <p:nvCxnSpPr>
+          <p:cNvPr id="39" name="Straight Arrow Connector 38">
+            <a:extLst>
+              <a:ext uri="{FF2B5EF4-FFF2-40B4-BE49-F238E27FC236}">
+                <a16:creationId xmlns:a16="http://schemas.microsoft.com/office/drawing/2014/main" id="{925E76E8-28FD-EA49-941F-3CD432D17523}"/>
+              </a:ext>
+            </a:extLst>
+          </p:cNvPr>
+          <p:cNvCxnSpPr>
+            <a:stCxn id="27" idx="3"/>
+            <a:endCxn id="28" idx="1"/>
+          </p:cNvCxnSpPr>
+          <p:nvPr/>
+        </p:nvCxnSpPr>
+        <p:spPr>
+          <a:xfrm flipV="1">
+            <a:off x="4742623" y="5945874"/>
+            <a:ext cx="1162778" cy="2951"/>
+          </a:xfrm>
+          <a:prstGeom prst="straightConnector1">
+            <a:avLst/>
+          </a:prstGeom>
+          <a:ln w="38100">
+            <a:solidFill>
+              <a:schemeClr val="tx1"/>
+            </a:solidFill>
+            <a:tailEnd type="triangle"/>
+          </a:ln>
+        </p:spPr>
+        <p:style>
+          <a:lnRef idx="1">
+            <a:schemeClr val="accent1"/>
+          </a:lnRef>
+          <a:fillRef idx="0">
+            <a:schemeClr val="accent1"/>
+          </a:fillRef>
+          <a:effectRef idx="0">
+            <a:schemeClr val="accent1"/>
+          </a:effectRef>
+          <a:fontRef idx="minor">
+            <a:schemeClr val="tx1"/>
+          </a:fontRef>
+        </p:style>
+      </p:cxnSp>
+      <p:cxnSp>
+        <p:nvCxnSpPr>
+          <p:cNvPr id="109" name="Elbow Connector 108">
+            <a:extLst>
+              <a:ext uri="{FF2B5EF4-FFF2-40B4-BE49-F238E27FC236}">
+                <a16:creationId xmlns:a16="http://schemas.microsoft.com/office/drawing/2014/main" id="{ECC1FF77-BDE8-564E-AAEC-C0D223516959}"/>
+              </a:ext>
+            </a:extLst>
+          </p:cNvPr>
+          <p:cNvCxnSpPr>
+            <a:stCxn id="53" idx="1"/>
+            <a:endCxn id="30" idx="0"/>
+          </p:cNvCxnSpPr>
+          <p:nvPr/>
+        </p:nvCxnSpPr>
+        <p:spPr>
+          <a:xfrm rot="10800000" flipV="1">
+            <a:off x="2442164" y="1415108"/>
+            <a:ext cx="1032556" cy="415731"/>
+          </a:xfrm>
+          <a:prstGeom prst="bentConnector2">
+            <a:avLst/>
+          </a:prstGeom>
+          <a:ln w="38100">
+            <a:solidFill>
+              <a:schemeClr val="tx1"/>
+            </a:solidFill>
+            <a:tailEnd type="triangle"/>
+          </a:ln>
+        </p:spPr>
+        <p:style>
+          <a:lnRef idx="1">
+            <a:schemeClr val="accent1"/>
+          </a:lnRef>
+          <a:fillRef idx="0">
+            <a:schemeClr val="accent1"/>
+          </a:fillRef>
+          <a:effectRef idx="0">
+            <a:schemeClr val="accent1"/>
+          </a:effectRef>
+          <a:fontRef idx="minor">
+            <a:schemeClr val="tx1"/>
+          </a:fontRef>
+        </p:style>
+      </p:cxnSp>
+      <p:cxnSp>
+        <p:nvCxnSpPr>
+          <p:cNvPr id="119" name="Elbow Connector 118">
+            <a:extLst>
+              <a:ext uri="{FF2B5EF4-FFF2-40B4-BE49-F238E27FC236}">
+                <a16:creationId xmlns:a16="http://schemas.microsoft.com/office/drawing/2014/main" id="{DA64E465-82CC-614A-AB6D-29F48B7F2763}"/>
+              </a:ext>
+            </a:extLst>
+          </p:cNvPr>
+          <p:cNvCxnSpPr>
+            <a:stCxn id="30" idx="1"/>
+            <a:endCxn id="56" idx="2"/>
+          </p:cNvCxnSpPr>
+          <p:nvPr/>
+        </p:nvCxnSpPr>
+        <p:spPr>
+          <a:xfrm rot="10800000">
+            <a:off x="902591" y="1830841"/>
+            <a:ext cx="901989" cy="380031"/>
+          </a:xfrm>
+          <a:prstGeom prst="bentConnector2">
+            <a:avLst/>
+          </a:prstGeom>
+          <a:ln w="38100">
+            <a:solidFill>
+              <a:schemeClr val="tx1"/>
+            </a:solidFill>
+            <a:tailEnd type="triangle"/>
+          </a:ln>
+        </p:spPr>
+        <p:style>
+          <a:lnRef idx="1">
+            <a:schemeClr val="accent1"/>
+          </a:lnRef>
+          <a:fillRef idx="0">
+            <a:schemeClr val="accent1"/>
+          </a:fillRef>
+          <a:effectRef idx="0">
+            <a:schemeClr val="accent1"/>
+          </a:effectRef>
+          <a:fontRef idx="minor">
+            <a:schemeClr val="tx1"/>
+          </a:fontRef>
+        </p:style>
+      </p:cxnSp>
+      <p:sp>
+        <p:nvSpPr>
+          <p:cNvPr id="121" name="Rectangle 120">
+            <a:extLst>
+              <a:ext uri="{FF2B5EF4-FFF2-40B4-BE49-F238E27FC236}">
+                <a16:creationId xmlns:a16="http://schemas.microsoft.com/office/drawing/2014/main" id="{54F4F6B3-61AF-0540-9087-733E9DB1B0CE}"/>
+              </a:ext>
+            </a:extLst>
+          </p:cNvPr>
+          <p:cNvSpPr/>
+          <p:nvPr/>
+        </p:nvSpPr>
+        <p:spPr>
+          <a:xfrm>
+            <a:off x="629171" y="6269839"/>
+            <a:ext cx="795407" cy="227629"/>
+          </a:xfrm>
+          <a:prstGeom prst="rect">
+            <a:avLst/>
+          </a:prstGeom>
+          <a:solidFill>
+            <a:schemeClr val="tx1"/>
+          </a:solidFill>
+          <a:ln>
+            <a:solidFill>
+              <a:schemeClr val="tx1"/>
+            </a:solidFill>
+          </a:ln>
+        </p:spPr>
+        <p:style>
+          <a:lnRef idx="2">
+            <a:schemeClr val="accent1">
+              <a:shade val="50000"/>
+            </a:schemeClr>
+          </a:lnRef>
+          <a:fillRef idx="1">
+            <a:schemeClr val="accent1"/>
+          </a:fillRef>
+          <a:effectRef idx="0">
+            <a:schemeClr val="accent1"/>
+          </a:effectRef>
+          <a:fontRef idx="minor">
+            <a:schemeClr val="lt1"/>
+          </a:fontRef>
+        </p:style>
+        <p:txBody>
+          <a:bodyPr rtlCol="0" anchor="ctr"/>
+          <a:lstStyle/>
+          <a:p>
+            <a:pPr algn="ctr"/>
+            <a:r>
+              <a:rPr lang="en-US" sz="1200" b="1" dirty="0"/>
+              <a:t>Parent</a:t>
+            </a:r>
+          </a:p>
+        </p:txBody>
+      </p:sp>
+      <p:sp>
+        <p:nvSpPr>
+          <p:cNvPr id="122" name="Rectangle 121">
+            <a:extLst>
+              <a:ext uri="{FF2B5EF4-FFF2-40B4-BE49-F238E27FC236}">
+                <a16:creationId xmlns:a16="http://schemas.microsoft.com/office/drawing/2014/main" id="{4742FCEA-55B7-A347-A226-1ECABE3674AD}"/>
+              </a:ext>
+            </a:extLst>
+          </p:cNvPr>
+          <p:cNvSpPr/>
+          <p:nvPr/>
+        </p:nvSpPr>
+        <p:spPr>
+          <a:xfrm>
+            <a:off x="1804579" y="6269839"/>
+            <a:ext cx="795407" cy="227629"/>
+          </a:xfrm>
+          <a:prstGeom prst="rect">
+            <a:avLst/>
+          </a:prstGeom>
+          <a:solidFill>
+            <a:schemeClr val="tx1"/>
+          </a:solidFill>
+          <a:ln>
+            <a:solidFill>
+              <a:schemeClr val="tx1"/>
+            </a:solidFill>
+          </a:ln>
+        </p:spPr>
+        <p:style>
+          <a:lnRef idx="2">
+            <a:schemeClr val="accent1">
+              <a:shade val="50000"/>
+            </a:schemeClr>
+          </a:lnRef>
+          <a:fillRef idx="1">
+            <a:schemeClr val="accent1"/>
+          </a:fillRef>
+          <a:effectRef idx="0">
+            <a:schemeClr val="accent1"/>
+          </a:effectRef>
+          <a:fontRef idx="minor">
+            <a:schemeClr val="lt1"/>
+          </a:fontRef>
+        </p:style>
+        <p:txBody>
+          <a:bodyPr rtlCol="0" anchor="ctr"/>
+          <a:lstStyle/>
+          <a:p>
+            <a:pPr algn="ctr"/>
+            <a:r>
+              <a:rPr lang="en-US" sz="1200" b="1" dirty="0"/>
+              <a:t>Child</a:t>
+            </a:r>
+          </a:p>
+        </p:txBody>
+      </p:sp>
+      <p:cxnSp>
+        <p:nvCxnSpPr>
+          <p:cNvPr id="124" name="Straight Arrow Connector 123">
+            <a:extLst>
+              <a:ext uri="{FF2B5EF4-FFF2-40B4-BE49-F238E27FC236}">
+                <a16:creationId xmlns:a16="http://schemas.microsoft.com/office/drawing/2014/main" id="{9AD96641-87D0-E04A-BB5A-1246BB105D57}"/>
+              </a:ext>
+            </a:extLst>
+          </p:cNvPr>
+          <p:cNvCxnSpPr>
+            <a:stCxn id="121" idx="3"/>
+            <a:endCxn id="122" idx="1"/>
+          </p:cNvCxnSpPr>
+          <p:nvPr/>
+        </p:nvCxnSpPr>
+        <p:spPr>
+          <a:xfrm>
+            <a:off x="1424578" y="6383654"/>
+            <a:ext cx="380001" cy="0"/>
+          </a:xfrm>
+          <a:prstGeom prst="straightConnector1">
+            <a:avLst/>
+          </a:prstGeom>
+          <a:ln w="38100">
+            <a:solidFill>
+              <a:schemeClr val="tx1"/>
+            </a:solidFill>
+            <a:tailEnd type="triangle"/>
+          </a:ln>
+        </p:spPr>
+        <p:style>
+          <a:lnRef idx="1">
+            <a:schemeClr val="accent1"/>
+          </a:lnRef>
+          <a:fillRef idx="0">
+            <a:schemeClr val="accent1"/>
+          </a:fillRef>
+          <a:effectRef idx="0">
+            <a:schemeClr val="accent1"/>
+          </a:effectRef>
+          <a:fontRef idx="minor">
+            <a:schemeClr val="tx1"/>
+          </a:fontRef>
+        </p:style>
+      </p:cxnSp>
+      <p:sp>
+        <p:nvSpPr>
+          <p:cNvPr id="125" name="TextBox 124">
+            <a:extLst>
+              <a:ext uri="{FF2B5EF4-FFF2-40B4-BE49-F238E27FC236}">
+                <a16:creationId xmlns:a16="http://schemas.microsoft.com/office/drawing/2014/main" id="{C8DE19F2-8965-F646-9873-F770040ADBD7}"/>
+              </a:ext>
+            </a:extLst>
+          </p:cNvPr>
+          <p:cNvSpPr txBox="1"/>
+          <p:nvPr/>
+        </p:nvSpPr>
+        <p:spPr>
+          <a:xfrm>
+            <a:off x="130436" y="6245153"/>
+            <a:ext cx="423514" cy="276999"/>
+          </a:xfrm>
+          <a:prstGeom prst="rect">
+            <a:avLst/>
+          </a:prstGeom>
+          <a:noFill/>
+        </p:spPr>
+        <p:txBody>
+          <a:bodyPr wrap="none" rtlCol="0">
             <a:spAutoFit/>
           </a:bodyPr>
           <a:lstStyle/>
           <a:p>
-            <a:endParaRPr lang="en-US" sz="1100" dirty="0"/>
-          </a:p>
-          <a:p>
-            <a:r>
-              <a:rPr lang="en-US" sz="1100" dirty="0"/>
-              <a:t>create table Resume </a:t>
-            </a:r>
-          </a:p>
-          <a:p>
-            <a:r>
-              <a:rPr lang="en-US" sz="1100" dirty="0"/>
-              <a:t>(   	ResumeID			INTEGER	        	not null,   </a:t>
-            </a:r>
-          </a:p>
-          <a:p>
-            <a:r>
-              <a:rPr lang="en-US" sz="1100" dirty="0"/>
-              <a:t>	FacilitatorID			INTEGER           	not null,   </a:t>
-            </a:r>
-          </a:p>
-          <a:p>
-            <a:r>
-              <a:rPr lang="en-US" sz="1100" dirty="0"/>
-              <a:t>	YearsExperience		INTEGER	        	not null,		   	BackgroundDescription		VARCHAR(1500),   </a:t>
-            </a:r>
-          </a:p>
-          <a:p>
-            <a:r>
-              <a:rPr lang="en-US" sz="1100" dirty="0"/>
-              <a:t>	WorkFocus			VARCHAR(1500),   </a:t>
-            </a:r>
-          </a:p>
-          <a:p>
-            <a:r>
-              <a:rPr lang="en-US" sz="1100" dirty="0"/>
-              <a:t>	Expertise			VARCHAR(1500),   </a:t>
-            </a:r>
-          </a:p>
-          <a:p>
-            <a:r>
-              <a:rPr lang="en-US" sz="1100" dirty="0"/>
-              <a:t>	CorporateClients		VARCHAR(1500),   </a:t>
-            </a:r>
-          </a:p>
-          <a:p>
-            <a:r>
-              <a:rPr lang="en-US" sz="1100" dirty="0"/>
-              <a:t>constraint pkResume primary key (ResumeID),   </a:t>
-            </a:r>
-          </a:p>
-          <a:p>
-            <a:r>
-              <a:rPr lang="en-US" sz="1100" dirty="0"/>
-              <a:t>constraint FKResumeFacilitator foreign key (FacilitatorID) references Facilitator (FacilitatorID));</a:t>
+            <a:r>
+              <a:rPr lang="en-US" sz="1200" dirty="0"/>
+              <a:t>key</a:t>
             </a:r>
           </a:p>
         </p:txBody>
@@ -8142,7 +7490,7 @@
     </p:spTree>
     <p:extLst>
       <p:ext uri="{BB962C8B-B14F-4D97-AF65-F5344CB8AC3E}">
-        <p14:creationId xmlns:p14="http://schemas.microsoft.com/office/powerpoint/2010/main" val="1587947240"/>
+        <p14:creationId xmlns:p14="http://schemas.microsoft.com/office/powerpoint/2010/main" val="2883668519"/>
       </p:ext>
     </p:extLst>
   </p:cSld>

--- a/postgres schema/ERD.pptx
+++ b/postgres schema/ERD.pptx
@@ -5496,14 +5496,14 @@
           </a:effectLst>
           <a:extLst>
             <a:ext uri="{909E8E84-426E-40dd-AFC4-6F175D3DCCD1}">
-              <a14:hiddenFill xmlns:a14="http://schemas.microsoft.com/office/drawing/2010/main" xmlns="">
+              <a14:hiddenFill xmlns="" xmlns:a14="http://schemas.microsoft.com/office/drawing/2010/main">
                 <a:solidFill>
                   <a:srgbClr val="FFFFFF"/>
                 </a:solidFill>
               </a14:hiddenFill>
             </a:ext>
             <a:ext uri="{91240B29-F687-4f45-9708-019B960494DF}">
-              <a14:hiddenLine xmlns:a14="http://schemas.microsoft.com/office/drawing/2010/main" xmlns="" w="9525">
+              <a14:hiddenLine xmlns="" xmlns:a14="http://schemas.microsoft.com/office/drawing/2010/main" w="9525">
                 <a:solidFill>
                   <a:srgbClr val="000000"/>
                 </a:solidFill>
@@ -5910,7 +5910,7 @@
         </p:nvSpPr>
         <p:spPr>
           <a:xfrm>
-            <a:off x="7555624" y="4689889"/>
+            <a:off x="7508532" y="4975284"/>
             <a:ext cx="1169910" cy="760061"/>
           </a:xfrm>
           <a:prstGeom prst="rect">
@@ -6024,7 +6024,7 @@
         </p:nvSpPr>
         <p:spPr>
           <a:xfrm>
-            <a:off x="5959723" y="2029446"/>
+            <a:off x="5979717" y="1719787"/>
             <a:ext cx="1203141" cy="760061"/>
           </a:xfrm>
           <a:prstGeom prst="rect">
@@ -6081,7 +6081,7 @@
         </p:nvSpPr>
         <p:spPr>
           <a:xfrm>
-            <a:off x="5959723" y="3927375"/>
+            <a:off x="5979717" y="4013058"/>
             <a:ext cx="1401515" cy="760061"/>
           </a:xfrm>
           <a:prstGeom prst="rect">
@@ -6363,7 +6363,7 @@
         <p:spPr>
           <a:xfrm>
             <a:off x="5200216" y="3220335"/>
-            <a:ext cx="759507" cy="1087071"/>
+            <a:ext cx="779501" cy="1172754"/>
           </a:xfrm>
           <a:prstGeom prst="bentConnector3">
             <a:avLst/>
@@ -6410,8 +6410,8 @@
         </p:nvCxnSpPr>
         <p:spPr>
           <a:xfrm flipV="1">
-            <a:off x="5200216" y="2409477"/>
-            <a:ext cx="759507" cy="810858"/>
+            <a:off x="5200216" y="2099818"/>
+            <a:ext cx="779501" cy="1120517"/>
           </a:xfrm>
           <a:prstGeom prst="bentConnector3">
             <a:avLst/>
@@ -6555,8 +6555,8 @@
         </p:nvCxnSpPr>
         <p:spPr>
           <a:xfrm flipV="1">
-            <a:off x="4742623" y="4687436"/>
-            <a:ext cx="1917858" cy="384064"/>
+            <a:off x="4742623" y="4773119"/>
+            <a:ext cx="1937852" cy="298381"/>
           </a:xfrm>
           <a:prstGeom prst="bentConnector2">
             <a:avLst/>
@@ -6604,8 +6604,8 @@
         </p:nvCxnSpPr>
         <p:spPr>
           <a:xfrm rot="16200000" flipV="1">
-            <a:off x="7559668" y="4108977"/>
-            <a:ext cx="382483" cy="779341"/>
+            <a:off x="7446263" y="4328059"/>
+            <a:ext cx="582195" cy="712255"/>
           </a:xfrm>
           <a:prstGeom prst="bentConnector2">
             <a:avLst/>
@@ -6710,7 +6710,7 @@
         </p:nvSpPr>
         <p:spPr>
           <a:xfrm>
-            <a:off x="7555624" y="2906476"/>
+            <a:off x="7555624" y="2479848"/>
             <a:ext cx="1169910" cy="760061"/>
           </a:xfrm>
           <a:prstGeom prst="rect">
@@ -7041,7 +7041,7 @@
         <p:spPr>
           <a:xfrm>
             <a:off x="8130954" y="1991190"/>
-            <a:ext cx="9625" cy="915286"/>
+            <a:ext cx="9625" cy="488658"/>
           </a:xfrm>
           <a:prstGeom prst="straightConnector1">
             <a:avLst/>
@@ -7086,8 +7086,8 @@
         </p:nvCxnSpPr>
         <p:spPr>
           <a:xfrm rot="5400000" flipH="1" flipV="1">
-            <a:off x="6787618" y="3159370"/>
-            <a:ext cx="640868" cy="895143"/>
+            <a:off x="6541460" y="2998895"/>
+            <a:ext cx="1153179" cy="875149"/>
           </a:xfrm>
           <a:prstGeom prst="bentConnector2">
             <a:avLst/>
@@ -7130,8 +7130,8 @@
         </p:nvCxnSpPr>
         <p:spPr>
           <a:xfrm>
-            <a:off x="6853187" y="4687436"/>
-            <a:ext cx="0" cy="878407"/>
+            <a:off x="6853187" y="4773119"/>
+            <a:ext cx="0" cy="792724"/>
           </a:xfrm>
           <a:prstGeom prst="straightConnector1">
             <a:avLst/>
@@ -7487,6 +7487,114 @@
           </a:p>
         </p:txBody>
       </p:sp>
+      <p:sp>
+        <p:nvSpPr>
+          <p:cNvPr id="45" name="Rectangle 44">
+            <a:extLst>
+              <a:ext uri="{FF2B5EF4-FFF2-40B4-BE49-F238E27FC236}">
+                <a16:creationId xmlns:a16="http://schemas.microsoft.com/office/drawing/2014/main" id="{6C539B1C-D164-894D-969D-A001770DD337}"/>
+              </a:ext>
+            </a:extLst>
+          </p:cNvPr>
+          <p:cNvSpPr/>
+          <p:nvPr/>
+        </p:nvSpPr>
+        <p:spPr>
+          <a:xfrm>
+            <a:off x="7555624" y="3423185"/>
+            <a:ext cx="1169910" cy="760061"/>
+          </a:xfrm>
+          <a:prstGeom prst="rect">
+            <a:avLst/>
+          </a:prstGeom>
+          <a:solidFill>
+            <a:srgbClr val="4E80C6"/>
+          </a:solidFill>
+          <a:ln>
+            <a:solidFill>
+              <a:schemeClr val="tx1"/>
+            </a:solidFill>
+          </a:ln>
+        </p:spPr>
+        <p:style>
+          <a:lnRef idx="2">
+            <a:schemeClr val="accent1">
+              <a:shade val="50000"/>
+            </a:schemeClr>
+          </a:lnRef>
+          <a:fillRef idx="1">
+            <a:schemeClr val="accent1"/>
+          </a:fillRef>
+          <a:effectRef idx="0">
+            <a:schemeClr val="accent1"/>
+          </a:effectRef>
+          <a:fontRef idx="minor">
+            <a:schemeClr val="lt1"/>
+          </a:fontRef>
+        </p:style>
+        <p:txBody>
+          <a:bodyPr rtlCol="0" anchor="ctr"/>
+          <a:lstStyle/>
+          <a:p>
+            <a:pPr algn="ctr"/>
+            <a:r>
+              <a:rPr lang="en-US" sz="1200" b="1" dirty="0">
+                <a:solidFill>
+                  <a:schemeClr val="bg1"/>
+                </a:solidFill>
+              </a:rPr>
+              <a:t>Committee</a:t>
+            </a:r>
+          </a:p>
+        </p:txBody>
+      </p:sp>
+      <p:cxnSp>
+        <p:nvCxnSpPr>
+          <p:cNvPr id="14" name="Elbow Connector 13">
+            <a:extLst>
+              <a:ext uri="{FF2B5EF4-FFF2-40B4-BE49-F238E27FC236}">
+                <a16:creationId xmlns:a16="http://schemas.microsoft.com/office/drawing/2014/main" id="{EE77074C-C36F-DE40-A7DA-00FB5ABC3053}"/>
+              </a:ext>
+            </a:extLst>
+          </p:cNvPr>
+          <p:cNvCxnSpPr>
+            <a:cxnSpLocks/>
+            <a:stCxn id="45" idx="1"/>
+          </p:cNvCxnSpPr>
+          <p:nvPr/>
+        </p:nvCxnSpPr>
+        <p:spPr>
+          <a:xfrm rot="10800000" flipV="1">
+            <a:off x="7041022" y="3803216"/>
+            <a:ext cx="514602" cy="196614"/>
+          </a:xfrm>
+          <a:prstGeom prst="bentConnector3">
+            <a:avLst>
+              <a:gd name="adj1" fmla="val 100502"/>
+            </a:avLst>
+          </a:prstGeom>
+          <a:ln w="38100">
+            <a:solidFill>
+              <a:schemeClr val="tx1"/>
+            </a:solidFill>
+            <a:tailEnd type="triangle"/>
+          </a:ln>
+        </p:spPr>
+        <p:style>
+          <a:lnRef idx="1">
+            <a:schemeClr val="accent1"/>
+          </a:lnRef>
+          <a:fillRef idx="0">
+            <a:schemeClr val="accent1"/>
+          </a:fillRef>
+          <a:effectRef idx="0">
+            <a:schemeClr val="accent1"/>
+          </a:effectRef>
+          <a:fontRef idx="minor">
+            <a:schemeClr val="tx1"/>
+          </a:fontRef>
+        </p:style>
+      </p:cxnSp>
     </p:spTree>
     <p:extLst>
       <p:ext uri="{BB962C8B-B14F-4D97-AF65-F5344CB8AC3E}">

--- a/postgres schema/ERD.pptx
+++ b/postgres schema/ERD.pptx
@@ -5496,14 +5496,14 @@
           </a:effectLst>
           <a:extLst>
             <a:ext uri="{909E8E84-426E-40dd-AFC4-6F175D3DCCD1}">
-              <a14:hiddenFill xmlns="" xmlns:a14="http://schemas.microsoft.com/office/drawing/2010/main">
+              <a14:hiddenFill xmlns:a14="http://schemas.microsoft.com/office/drawing/2010/main" xmlns="">
                 <a:solidFill>
                   <a:srgbClr val="FFFFFF"/>
                 </a:solidFill>
               </a14:hiddenFill>
             </a:ext>
             <a:ext uri="{91240B29-F687-4f45-9708-019B960494DF}">
-              <a14:hiddenLine xmlns="" xmlns:a14="http://schemas.microsoft.com/office/drawing/2010/main" w="9525">
+              <a14:hiddenLine xmlns:a14="http://schemas.microsoft.com/office/drawing/2010/main" xmlns="" w="9525">
                 <a:solidFill>
                   <a:srgbClr val="000000"/>
                 </a:solidFill>
@@ -6024,7 +6024,7 @@
         </p:nvSpPr>
         <p:spPr>
           <a:xfrm>
-            <a:off x="5979717" y="1719787"/>
+            <a:off x="5979717" y="1991090"/>
             <a:ext cx="1203141" cy="760061"/>
           </a:xfrm>
           <a:prstGeom prst="rect">
@@ -6410,8 +6410,8 @@
         </p:nvCxnSpPr>
         <p:spPr>
           <a:xfrm flipV="1">
-            <a:off x="5200216" y="2099818"/>
-            <a:ext cx="779501" cy="1120517"/>
+            <a:off x="5200216" y="2371121"/>
+            <a:ext cx="779501" cy="849214"/>
           </a:xfrm>
           <a:prstGeom prst="bentConnector3">
             <a:avLst/>
@@ -7572,6 +7572,108 @@
             <a:avLst>
               <a:gd name="adj1" fmla="val 100502"/>
             </a:avLst>
+          </a:prstGeom>
+          <a:ln w="38100">
+            <a:solidFill>
+              <a:schemeClr val="tx1"/>
+            </a:solidFill>
+            <a:tailEnd type="triangle"/>
+          </a:ln>
+        </p:spPr>
+        <p:style>
+          <a:lnRef idx="1">
+            <a:schemeClr val="accent1"/>
+          </a:lnRef>
+          <a:fillRef idx="0">
+            <a:schemeClr val="accent1"/>
+          </a:fillRef>
+          <a:effectRef idx="0">
+            <a:schemeClr val="accent1"/>
+          </a:effectRef>
+          <a:fontRef idx="minor">
+            <a:schemeClr val="tx1"/>
+          </a:fontRef>
+        </p:style>
+      </p:cxnSp>
+      <p:sp>
+        <p:nvSpPr>
+          <p:cNvPr id="42" name="Rectangle 41">
+            <a:extLst>
+              <a:ext uri="{FF2B5EF4-FFF2-40B4-BE49-F238E27FC236}">
+                <a16:creationId xmlns:a16="http://schemas.microsoft.com/office/drawing/2014/main" id="{C6928711-534D-4448-AD39-EB98BF802BC5}"/>
+              </a:ext>
+            </a:extLst>
+          </p:cNvPr>
+          <p:cNvSpPr/>
+          <p:nvPr/>
+        </p:nvSpPr>
+        <p:spPr>
+          <a:xfrm>
+            <a:off x="5979716" y="1036952"/>
+            <a:ext cx="1203141" cy="760061"/>
+          </a:xfrm>
+          <a:prstGeom prst="rect">
+            <a:avLst/>
+          </a:prstGeom>
+          <a:solidFill>
+            <a:srgbClr val="4E80C6"/>
+          </a:solidFill>
+          <a:ln>
+            <a:solidFill>
+              <a:schemeClr val="tx1"/>
+            </a:solidFill>
+          </a:ln>
+        </p:spPr>
+        <p:style>
+          <a:lnRef idx="2">
+            <a:schemeClr val="accent1">
+              <a:shade val="50000"/>
+            </a:schemeClr>
+          </a:lnRef>
+          <a:fillRef idx="1">
+            <a:schemeClr val="accent1"/>
+          </a:fillRef>
+          <a:effectRef idx="0">
+            <a:schemeClr val="accent1"/>
+          </a:effectRef>
+          <a:fontRef idx="minor">
+            <a:schemeClr val="lt1"/>
+          </a:fontRef>
+        </p:style>
+        <p:txBody>
+          <a:bodyPr rtlCol="0" anchor="ctr"/>
+          <a:lstStyle/>
+          <a:p>
+            <a:pPr algn="ctr"/>
+            <a:r>
+              <a:rPr lang="en-US" sz="1200" b="1" dirty="0"/>
+              <a:t>VenueType</a:t>
+            </a:r>
+          </a:p>
+        </p:txBody>
+      </p:sp>
+      <p:cxnSp>
+        <p:nvCxnSpPr>
+          <p:cNvPr id="5" name="Straight Arrow Connector 4">
+            <a:extLst>
+              <a:ext uri="{FF2B5EF4-FFF2-40B4-BE49-F238E27FC236}">
+                <a16:creationId xmlns:a16="http://schemas.microsoft.com/office/drawing/2014/main" id="{2DD6C3C1-B33C-3A4E-8795-90D6FABB81BD}"/>
+              </a:ext>
+            </a:extLst>
+          </p:cNvPr>
+          <p:cNvCxnSpPr>
+            <a:stCxn id="42" idx="1"/>
+            <a:endCxn id="53" idx="3"/>
+          </p:cNvCxnSpPr>
+          <p:nvPr/>
+        </p:nvCxnSpPr>
+        <p:spPr>
+          <a:xfrm flipH="1" flipV="1">
+            <a:off x="5200216" y="1415109"/>
+            <a:ext cx="779500" cy="1874"/>
+          </a:xfrm>
+          <a:prstGeom prst="straightConnector1">
+            <a:avLst/>
           </a:prstGeom>
           <a:ln w="38100">
             <a:solidFill>
